--- a/SportAdvisor.pptx
+++ b/SportAdvisor.pptx
@@ -9,8 +9,11 @@
     <p:sldId id="257" r:id="rId3"/>
     <p:sldId id="258" r:id="rId4"/>
     <p:sldId id="259" r:id="rId5"/>
-    <p:sldId id="260" r:id="rId6"/>
-    <p:sldId id="261" r:id="rId7"/>
+    <p:sldId id="262" r:id="rId6"/>
+    <p:sldId id="260" r:id="rId7"/>
+    <p:sldId id="263" r:id="rId8"/>
+    <p:sldId id="264" r:id="rId9"/>
+    <p:sldId id="261" r:id="rId10"/>
   </p:sldIdLst>
   <p:sldSz cx="12192000" cy="6858000"/>
   <p:notesSz cx="6858000" cy="9144000"/>
@@ -305,7 +308,7 @@
           <a:p>
             <a:fld id="{48A87A34-81AB-432B-8DAE-1953F412C126}" type="datetimeFigureOut">
               <a:rPr lang="en-US" smtClean="0"/>
-              <a:t>11/23/2020</a:t>
+              <a:t>12/16/2020</a:t>
             </a:fld>
             <a:endParaRPr lang="en-US" dirty="0"/>
           </a:p>
@@ -639,7 +642,7 @@
             <a:fld id="{48A87A34-81AB-432B-8DAE-1953F412C126}" type="datetimeFigureOut">
               <a:rPr lang="en-US" smtClean="0"/>
               <a:pPr/>
-              <a:t>11/23/2020</a:t>
+              <a:t>12/16/2020</a:t>
             </a:fld>
             <a:endParaRPr lang="en-US" dirty="0"/>
           </a:p>
@@ -1037,7 +1040,7 @@
             <a:fld id="{48A87A34-81AB-432B-8DAE-1953F412C126}" type="datetimeFigureOut">
               <a:rPr lang="en-US" smtClean="0"/>
               <a:pPr/>
-              <a:t>11/23/2020</a:t>
+              <a:t>12/16/2020</a:t>
             </a:fld>
             <a:endParaRPr lang="en-US" dirty="0"/>
           </a:p>
@@ -1370,7 +1373,7 @@
             <a:fld id="{48A87A34-81AB-432B-8DAE-1953F412C126}" type="datetimeFigureOut">
               <a:rPr lang="en-US" smtClean="0"/>
               <a:pPr/>
-              <a:t>11/23/2020</a:t>
+              <a:t>12/16/2020</a:t>
             </a:fld>
             <a:endParaRPr lang="en-US" dirty="0"/>
           </a:p>
@@ -1687,7 +1690,7 @@
             <a:fld id="{48A87A34-81AB-432B-8DAE-1953F412C126}" type="datetimeFigureOut">
               <a:rPr lang="en-US" smtClean="0"/>
               <a:pPr/>
-              <a:t>11/23/2020</a:t>
+              <a:t>12/16/2020</a:t>
             </a:fld>
             <a:endParaRPr lang="en-US" dirty="0"/>
           </a:p>
@@ -2080,7 +2083,7 @@
             <a:fld id="{48A87A34-81AB-432B-8DAE-1953F412C126}" type="datetimeFigureOut">
               <a:rPr lang="en-US" smtClean="0"/>
               <a:pPr/>
-              <a:t>11/23/2020</a:t>
+              <a:t>12/16/2020</a:t>
             </a:fld>
             <a:endParaRPr lang="en-US" dirty="0"/>
           </a:p>
@@ -2333,7 +2336,7 @@
           <a:p>
             <a:fld id="{48A87A34-81AB-432B-8DAE-1953F412C126}" type="datetimeFigureOut">
               <a:rPr lang="en-US" smtClean="0"/>
-              <a:t>11/23/2020</a:t>
+              <a:t>12/16/2020</a:t>
             </a:fld>
             <a:endParaRPr lang="en-US" dirty="0"/>
           </a:p>
@@ -2590,7 +2593,7 @@
           <a:p>
             <a:fld id="{48A87A34-81AB-432B-8DAE-1953F412C126}" type="datetimeFigureOut">
               <a:rPr lang="en-US" smtClean="0"/>
-              <a:t>11/23/2020</a:t>
+              <a:t>12/16/2020</a:t>
             </a:fld>
             <a:endParaRPr lang="en-US" dirty="0"/>
           </a:p>
@@ -2847,7 +2850,7 @@
           <a:p>
             <a:fld id="{48A87A34-81AB-432B-8DAE-1953F412C126}" type="datetimeFigureOut">
               <a:rPr lang="en-US" smtClean="0"/>
-              <a:t>11/23/2020</a:t>
+              <a:t>12/16/2020</a:t>
             </a:fld>
             <a:endParaRPr lang="en-US" dirty="0"/>
           </a:p>
@@ -3171,7 +3174,7 @@
           <a:p>
             <a:fld id="{48A87A34-81AB-432B-8DAE-1953F412C126}" type="datetimeFigureOut">
               <a:rPr lang="en-US" smtClean="0"/>
-              <a:t>11/23/2020</a:t>
+              <a:t>12/16/2020</a:t>
             </a:fld>
             <a:endParaRPr lang="en-US" dirty="0"/>
           </a:p>
@@ -3489,7 +3492,7 @@
           <a:p>
             <a:fld id="{48A87A34-81AB-432B-8DAE-1953F412C126}" type="datetimeFigureOut">
               <a:rPr lang="en-US" smtClean="0"/>
-              <a:t>11/23/2020</a:t>
+              <a:t>12/16/2020</a:t>
             </a:fld>
             <a:endParaRPr lang="en-US" dirty="0"/>
           </a:p>
@@ -3941,7 +3944,7 @@
           <a:p>
             <a:fld id="{48A87A34-81AB-432B-8DAE-1953F412C126}" type="datetimeFigureOut">
               <a:rPr lang="en-US" smtClean="0"/>
-              <a:t>11/23/2020</a:t>
+              <a:t>12/16/2020</a:t>
             </a:fld>
             <a:endParaRPr lang="en-US" dirty="0"/>
           </a:p>
@@ -4141,7 +4144,7 @@
           <a:p>
             <a:fld id="{48A87A34-81AB-432B-8DAE-1953F412C126}" type="datetimeFigureOut">
               <a:rPr lang="en-US" smtClean="0"/>
-              <a:t>11/23/2020</a:t>
+              <a:t>12/16/2020</a:t>
             </a:fld>
             <a:endParaRPr lang="en-US" dirty="0"/>
           </a:p>
@@ -4313,7 +4316,7 @@
           <a:p>
             <a:fld id="{48A87A34-81AB-432B-8DAE-1953F412C126}" type="datetimeFigureOut">
               <a:rPr lang="en-US" smtClean="0"/>
-              <a:t>11/23/2020</a:t>
+              <a:t>12/16/2020</a:t>
             </a:fld>
             <a:endParaRPr lang="en-US" dirty="0"/>
           </a:p>
@@ -4641,7 +4644,7 @@
           <a:p>
             <a:fld id="{48A87A34-81AB-432B-8DAE-1953F412C126}" type="datetimeFigureOut">
               <a:rPr lang="en-US" smtClean="0"/>
-              <a:t>11/23/2020</a:t>
+              <a:t>12/16/2020</a:t>
             </a:fld>
             <a:endParaRPr lang="en-US" dirty="0"/>
           </a:p>
@@ -4982,7 +4985,7 @@
             <a:fld id="{48A87A34-81AB-432B-8DAE-1953F412C126}" type="datetimeFigureOut">
               <a:rPr lang="en-US" smtClean="0"/>
               <a:pPr/>
-              <a:t>11/23/2020</a:t>
+              <a:t>12/16/2020</a:t>
             </a:fld>
             <a:endParaRPr lang="en-US" dirty="0"/>
           </a:p>
@@ -7100,7 +7103,7 @@
             <a:fld id="{48A87A34-81AB-432B-8DAE-1953F412C126}" type="datetimeFigureOut">
               <a:rPr lang="en-US" smtClean="0"/>
               <a:pPr/>
-              <a:t>11/23/2020</a:t>
+              <a:t>12/16/2020</a:t>
             </a:fld>
             <a:endParaRPr lang="en-US" dirty="0"/>
           </a:p>
@@ -7792,6 +7795,32 @@
 <file path=ppt/slides/slide3.xml><?xml version="1.0" encoding="utf-8"?>
 <p:sld xmlns:a="http://schemas.openxmlformats.org/drawingml/2006/main" xmlns:r="http://schemas.openxmlformats.org/officeDocument/2006/relationships" xmlns:p="http://schemas.openxmlformats.org/presentationml/2006/main">
   <p:cSld>
+    <p:bg>
+      <p:bgPr>
+        <a:gradFill rotWithShape="1">
+          <a:gsLst>
+            <a:gs pos="0">
+              <a:schemeClr val="bg2">
+                <a:tint val="90000"/>
+                <a:satMod val="92000"/>
+                <a:lumMod val="120000"/>
+              </a:schemeClr>
+            </a:gs>
+            <a:gs pos="100000">
+              <a:schemeClr val="bg2">
+                <a:shade val="98000"/>
+                <a:satMod val="120000"/>
+                <a:lumMod val="98000"/>
+              </a:schemeClr>
+            </a:gs>
+          </a:gsLst>
+          <a:path path="circle">
+            <a:fillToRect l="50000" t="50000" r="100000" b="100000"/>
+          </a:path>
+        </a:gradFill>
+        <a:effectLst/>
+      </p:bgPr>
+    </p:bg>
     <p:spTree>
       <p:nvGrpSpPr>
         <p:cNvPr id="1" name=""/>
@@ -7816,21 +7845,63 @@
             <p:ph type="title"/>
           </p:nvPr>
         </p:nvSpPr>
-        <p:spPr/>
-        <p:txBody>
-          <a:bodyPr/>
+        <p:spPr>
+          <a:xfrm>
+            <a:off x="1377501" y="306333"/>
+            <a:ext cx="4137059" cy="1280890"/>
+          </a:xfrm>
+        </p:spPr>
+        <p:txBody>
+          <a:bodyPr>
+            <a:normAutofit/>
+          </a:bodyPr>
           <a:lstStyle/>
           <a:p>
             <a:r>
-              <a:rPr lang="en-GB" dirty="0"/>
+              <a:rPr lang="en-GB" sz="3200" dirty="0"/>
               <a:t>Project Overview</a:t>
             </a:r>
           </a:p>
         </p:txBody>
       </p:sp>
-      <p:sp>
-        <p:nvSpPr>
-          <p:cNvPr id="3" name="Content Placeholder 2"/>
+      <p:pic>
+        <p:nvPicPr>
+          <p:cNvPr id="4" name="Picture 3">
+            <a:extLst>
+              <a:ext uri="{FF2B5EF4-FFF2-40B4-BE49-F238E27FC236}">
+                <a16:creationId xmlns:a16="http://schemas.microsoft.com/office/drawing/2014/main" id="{00B2F88F-9653-47CE-A841-B298B94B887F}"/>
+              </a:ext>
+            </a:extLst>
+          </p:cNvPr>
+          <p:cNvPicPr>
+            <a:picLocks noChangeAspect="1"/>
+          </p:cNvPicPr>
+          <p:nvPr/>
+        </p:nvPicPr>
+        <p:blipFill rotWithShape="1">
+          <a:blip r:embed="rId2"/>
+          <a:srcRect r="40181" b="-2"/>
+          <a:stretch/>
+        </p:blipFill>
+        <p:spPr>
+          <a:xfrm>
+            <a:off x="5208104" y="10"/>
+            <a:ext cx="6983896" cy="6857990"/>
+          </a:xfrm>
+          <a:prstGeom prst="rect">
+            <a:avLst/>
+          </a:prstGeom>
+        </p:spPr>
+      </p:pic>
+      <p:sp>
+        <p:nvSpPr>
+          <p:cNvPr id="8" name="Content Placeholder 2">
+            <a:extLst>
+              <a:ext uri="{FF2B5EF4-FFF2-40B4-BE49-F238E27FC236}">
+                <a16:creationId xmlns:a16="http://schemas.microsoft.com/office/drawing/2014/main" id="{8D8DAD41-1350-44A5-8381-C080C1457C19}"/>
+              </a:ext>
+            </a:extLst>
+          </p:cNvPr>
           <p:cNvSpPr>
             <a:spLocks noGrp="1"/>
           </p:cNvSpPr>
@@ -7838,20 +7909,28 @@
             <p:ph idx="1"/>
           </p:nvPr>
         </p:nvSpPr>
-        <p:spPr/>
-        <p:txBody>
-          <a:bodyPr/>
+        <p:spPr>
+          <a:xfrm>
+            <a:off x="544270" y="2133600"/>
+            <a:ext cx="4140772" cy="3777622"/>
+          </a:xfrm>
+        </p:spPr>
+        <p:txBody>
+          <a:bodyPr>
+            <a:normAutofit/>
+          </a:bodyPr>
           <a:lstStyle/>
           <a:p>
-            <a:r>
-              <a:rPr lang="en-GB" dirty="0"/>
-              <a:t>Give background context of project</a:t>
-            </a:r>
-          </a:p>
-          <a:p>
-            <a:r>
-              <a:rPr lang="en-GB" dirty="0"/>
-              <a:t>List goals / objectives of project</a:t>
+            <a:pPr marL="0" indent="0">
+              <a:buNone/>
+            </a:pPr>
+            <a:r>
+              <a:rPr lang="en-GB" sz="1600" dirty="0">
+                <a:solidFill>
+                  <a:schemeClr val="tx1"/>
+                </a:solidFill>
+              </a:rPr>
+              <a:t>Project Planner, with goals and timelines to achieve objectives by</a:t>
             </a:r>
           </a:p>
         </p:txBody>
@@ -7918,35 +7997,61 @@
             <p:ph idx="1"/>
           </p:nvPr>
         </p:nvSpPr>
-        <p:spPr/>
-        <p:txBody>
-          <a:bodyPr/>
+        <p:spPr>
+          <a:xfrm>
+            <a:off x="901148" y="2133600"/>
+            <a:ext cx="10603464" cy="4100290"/>
+          </a:xfrm>
+        </p:spPr>
+        <p:txBody>
+          <a:bodyPr>
+            <a:normAutofit/>
+          </a:bodyPr>
           <a:lstStyle/>
           <a:p>
             <a:r>
               <a:rPr lang="en-GB" dirty="0"/>
-              <a:t>Explain system design using an architecture diagram / UML diagram / text.</a:t>
-            </a:r>
-          </a:p>
-          <a:p>
+              <a:t>System Design </a:t>
+            </a:r>
+          </a:p>
+          <a:p>
+            <a:pPr lvl="1"/>
             <a:r>
               <a:rPr lang="en-GB" dirty="0"/>
-              <a:t>This slide should indicate the level of technical difficulty involved.</a:t>
+              <a:t>Back End – MongoDB(Cluster Integration)</a:t>
             </a:r>
           </a:p>
           <a:p>
             <a:pPr lvl="1"/>
             <a:r>
               <a:rPr lang="en-GB" dirty="0"/>
-              <a:t>May be useful to add animations if this helps clarify complex components.</a:t>
+              <a:t>Front End – Kotlin/Android Studio</a:t>
             </a:r>
           </a:p>
           <a:p>
             <a:pPr lvl="1"/>
             <a:r>
               <a:rPr lang="en-GB" dirty="0"/>
-              <a:t>Your are not limited to one slide!</a:t>
-            </a:r>
+              <a:t>API Implementation – Met Eireann weather API</a:t>
+            </a:r>
+          </a:p>
+          <a:p>
+            <a:endParaRPr lang="en-GB" dirty="0"/>
+          </a:p>
+          <a:p>
+            <a:r>
+              <a:rPr lang="en-GB" dirty="0"/>
+              <a:t>For this we are working with a new language called Kotlin that had its first stable release in February of 2016.  Currently using the latest stable release V1.4.21 (December 2020 stable version)</a:t>
+            </a:r>
+          </a:p>
+          <a:p>
+            <a:r>
+              <a:rPr lang="en-GB" dirty="0"/>
+              <a:t>Kotlin is being used to write the front end of the App we are designing for Android Applications</a:t>
+            </a:r>
+          </a:p>
+          <a:p>
+            <a:endParaRPr lang="en-GB" dirty="0"/>
           </a:p>
         </p:txBody>
       </p:sp>
@@ -7966,6 +8071,32 @@
 <file path=ppt/slides/slide5.xml><?xml version="1.0" encoding="utf-8"?>
 <p:sld xmlns:a="http://schemas.openxmlformats.org/drawingml/2006/main" xmlns:r="http://schemas.openxmlformats.org/officeDocument/2006/relationships" xmlns:p="http://schemas.openxmlformats.org/presentationml/2006/main">
   <p:cSld>
+    <p:bg>
+      <p:bgPr>
+        <a:gradFill rotWithShape="1">
+          <a:gsLst>
+            <a:gs pos="0">
+              <a:schemeClr val="bg2">
+                <a:tint val="90000"/>
+                <a:satMod val="92000"/>
+                <a:lumMod val="120000"/>
+              </a:schemeClr>
+            </a:gs>
+            <a:gs pos="100000">
+              <a:schemeClr val="bg2">
+                <a:shade val="98000"/>
+                <a:satMod val="120000"/>
+                <a:lumMod val="98000"/>
+              </a:schemeClr>
+            </a:gs>
+          </a:gsLst>
+          <a:path path="circle">
+            <a:fillToRect l="50000" t="50000" r="100000" b="100000"/>
+          </a:path>
+        </a:gradFill>
+        <a:effectLst/>
+      </p:bgPr>
+    </p:bg>
     <p:spTree>
       <p:nvGrpSpPr>
         <p:cNvPr id="1" name=""/>
@@ -7980,6 +8111,569 @@
           <a:chExt cx="0" cy="0"/>
         </a:xfrm>
       </p:grpSpPr>
+      <p:sp useBgFill="1">
+        <p:nvSpPr>
+          <p:cNvPr id="11" name="Rectangle 10">
+            <a:extLst>
+              <a:ext uri="{FF2B5EF4-FFF2-40B4-BE49-F238E27FC236}">
+                <a16:creationId xmlns:a16="http://schemas.microsoft.com/office/drawing/2014/main" id="{3F4C104D-5F30-4811-9376-566B26E4719A}"/>
+              </a:ext>
+              <a:ext uri="{C183D7F6-B498-43B3-948B-1728B52AA6E4}">
+                <adec:decorative xmlns:adec="http://schemas.microsoft.com/office/drawing/2017/decorative" val="1"/>
+              </a:ext>
+            </a:extLst>
+          </p:cNvPr>
+          <p:cNvSpPr>
+            <a:spLocks noGrp="1" noRot="1" noChangeAspect="1" noMove="1" noResize="1" noEditPoints="1" noAdjustHandles="1" noChangeArrowheads="1" noChangeShapeType="1" noTextEdit="1"/>
+          </p:cNvSpPr>
+          <p:nvPr>
+            <p:extLst>
+              <p:ext uri="{386F3935-93C4-4BCD-93E2-E3B085C9AB24}">
+                <p16:designElem xmlns:p16="http://schemas.microsoft.com/office/powerpoint/2015/main" val="1"/>
+              </p:ext>
+            </p:extLst>
+          </p:nvPr>
+        </p:nvSpPr>
+        <p:spPr>
+          <a:xfrm>
+            <a:off x="0" y="-786"/>
+            <a:ext cx="12192000" cy="6854038"/>
+          </a:xfrm>
+          <a:prstGeom prst="rect">
+            <a:avLst/>
+          </a:prstGeom>
+          <a:ln>
+            <a:noFill/>
+          </a:ln>
+        </p:spPr>
+        <p:style>
+          <a:lnRef idx="2">
+            <a:schemeClr val="accent1">
+              <a:shade val="50000"/>
+            </a:schemeClr>
+          </a:lnRef>
+          <a:fillRef idx="1">
+            <a:schemeClr val="accent1"/>
+          </a:fillRef>
+          <a:effectRef idx="0">
+            <a:schemeClr val="accent1"/>
+          </a:effectRef>
+          <a:fontRef idx="minor">
+            <a:schemeClr val="lt1"/>
+          </a:fontRef>
+        </p:style>
+        <p:txBody>
+          <a:bodyPr rtlCol="0" anchor="ctr"/>
+          <a:lstStyle/>
+          <a:p>
+            <a:pPr algn="ctr"/>
+            <a:endParaRPr lang="en-US"/>
+          </a:p>
+        </p:txBody>
+      </p:sp>
+      <p:sp>
+        <p:nvSpPr>
+          <p:cNvPr id="2" name="Title 1">
+            <a:extLst>
+              <a:ext uri="{FF2B5EF4-FFF2-40B4-BE49-F238E27FC236}">
+                <a16:creationId xmlns:a16="http://schemas.microsoft.com/office/drawing/2014/main" id="{6F547AF6-FCF9-4CDB-AA4C-2B972D261DCE}"/>
+              </a:ext>
+            </a:extLst>
+          </p:cNvPr>
+          <p:cNvSpPr>
+            <a:spLocks noGrp="1"/>
+          </p:cNvSpPr>
+          <p:nvPr>
+            <p:ph type="title"/>
+          </p:nvPr>
+        </p:nvSpPr>
+        <p:spPr>
+          <a:xfrm>
+            <a:off x="649224" y="645106"/>
+            <a:ext cx="3650279" cy="1259894"/>
+          </a:xfrm>
+        </p:spPr>
+        <p:txBody>
+          <a:bodyPr>
+            <a:normAutofit/>
+          </a:bodyPr>
+          <a:lstStyle/>
+          <a:p>
+            <a:r>
+              <a:rPr lang="en-IE" dirty="0"/>
+              <a:t>Multiplatform</a:t>
+            </a:r>
+            <a:br>
+              <a:rPr lang="en-IE" dirty="0"/>
+            </a:br>
+            <a:r>
+              <a:rPr lang="en-IE" dirty="0"/>
+              <a:t>System</a:t>
+            </a:r>
+          </a:p>
+        </p:txBody>
+      </p:sp>
+      <p:sp>
+        <p:nvSpPr>
+          <p:cNvPr id="13" name="Rectangle 12">
+            <a:extLst>
+              <a:ext uri="{FF2B5EF4-FFF2-40B4-BE49-F238E27FC236}">
+                <a16:creationId xmlns:a16="http://schemas.microsoft.com/office/drawing/2014/main" id="{0815E34B-5D02-4E01-A936-E8E1C0AB6F12}"/>
+              </a:ext>
+              <a:ext uri="{C183D7F6-B498-43B3-948B-1728B52AA6E4}">
+                <adec:decorative xmlns:adec="http://schemas.microsoft.com/office/drawing/2017/decorative" val="1"/>
+              </a:ext>
+            </a:extLst>
+          </p:cNvPr>
+          <p:cNvSpPr>
+            <a:spLocks noGrp="1" noRot="1" noChangeAspect="1" noMove="1" noResize="1" noEditPoints="1" noAdjustHandles="1" noChangeArrowheads="1" noChangeShapeType="1" noTextEdit="1"/>
+          </p:cNvSpPr>
+          <p:nvPr>
+            <p:extLst>
+              <p:ext uri="{386F3935-93C4-4BCD-93E2-E3B085C9AB24}">
+                <p16:designElem xmlns:p16="http://schemas.microsoft.com/office/powerpoint/2015/main" val="1"/>
+              </p:ext>
+            </p:extLst>
+          </p:nvPr>
+        </p:nvSpPr>
+        <p:spPr>
+          <a:xfrm>
+            <a:off x="0" y="0"/>
+            <a:ext cx="182880" cy="6858000"/>
+          </a:xfrm>
+          <a:prstGeom prst="rect">
+            <a:avLst/>
+          </a:prstGeom>
+          <a:solidFill>
+            <a:schemeClr val="tx2"/>
+          </a:solidFill>
+          <a:ln>
+            <a:noFill/>
+          </a:ln>
+          <a:effectLst/>
+        </p:spPr>
+        <p:style>
+          <a:lnRef idx="1">
+            <a:schemeClr val="accent1"/>
+          </a:lnRef>
+          <a:fillRef idx="3">
+            <a:schemeClr val="accent1"/>
+          </a:fillRef>
+          <a:effectRef idx="2">
+            <a:schemeClr val="accent1"/>
+          </a:effectRef>
+          <a:fontRef idx="minor">
+            <a:schemeClr val="lt1"/>
+          </a:fontRef>
+        </p:style>
+      </p:sp>
+      <p:sp>
+        <p:nvSpPr>
+          <p:cNvPr id="8" name="Content Placeholder 7">
+            <a:extLst>
+              <a:ext uri="{FF2B5EF4-FFF2-40B4-BE49-F238E27FC236}">
+                <a16:creationId xmlns:a16="http://schemas.microsoft.com/office/drawing/2014/main" id="{B0796F31-F25B-4F08-882A-F69A2280057C}"/>
+              </a:ext>
+            </a:extLst>
+          </p:cNvPr>
+          <p:cNvSpPr>
+            <a:spLocks noGrp="1"/>
+          </p:cNvSpPr>
+          <p:nvPr>
+            <p:ph idx="1"/>
+          </p:nvPr>
+        </p:nvSpPr>
+        <p:spPr>
+          <a:xfrm>
+            <a:off x="649225" y="2133600"/>
+            <a:ext cx="3650278" cy="3759253"/>
+          </a:xfrm>
+        </p:spPr>
+        <p:txBody>
+          <a:bodyPr>
+            <a:normAutofit/>
+          </a:bodyPr>
+          <a:lstStyle/>
+          <a:p>
+            <a:r>
+              <a:rPr lang="en-US" dirty="0"/>
+              <a:t>Multiplatform IDE support is in Alpha stability </a:t>
+            </a:r>
+          </a:p>
+          <a:p>
+            <a:endParaRPr lang="en-US" dirty="0"/>
+          </a:p>
+          <a:p>
+            <a:r>
+              <a:rPr lang="en-US" dirty="0"/>
+              <a:t>We have decided that developing with a stable version would be best suited for this Application</a:t>
+            </a:r>
+          </a:p>
+        </p:txBody>
+      </p:sp>
+      <p:pic>
+        <p:nvPicPr>
+          <p:cNvPr id="4" name="Content Placeholder 3">
+            <a:extLst>
+              <a:ext uri="{FF2B5EF4-FFF2-40B4-BE49-F238E27FC236}">
+                <a16:creationId xmlns:a16="http://schemas.microsoft.com/office/drawing/2014/main" id="{B9BA0024-4BF9-415B-9776-85B9895C490C}"/>
+              </a:ext>
+            </a:extLst>
+          </p:cNvPr>
+          <p:cNvPicPr>
+            <a:picLocks noChangeAspect="1"/>
+          </p:cNvPicPr>
+          <p:nvPr/>
+        </p:nvPicPr>
+        <p:blipFill>
+          <a:blip r:embed="rId2"/>
+          <a:stretch>
+            <a:fillRect/>
+          </a:stretch>
+        </p:blipFill>
+        <p:spPr>
+          <a:xfrm>
+            <a:off x="4619543" y="1590261"/>
+            <a:ext cx="6953577" cy="3066921"/>
+          </a:xfrm>
+          <a:prstGeom prst="rect">
+            <a:avLst/>
+          </a:prstGeom>
+        </p:spPr>
+      </p:pic>
+      <p:sp>
+        <p:nvSpPr>
+          <p:cNvPr id="15" name="Freeform 11">
+            <a:extLst>
+              <a:ext uri="{FF2B5EF4-FFF2-40B4-BE49-F238E27FC236}">
+                <a16:creationId xmlns:a16="http://schemas.microsoft.com/office/drawing/2014/main" id="{7DE3414B-B032-4710-A468-D3285E38C5FF}"/>
+              </a:ext>
+              <a:ext uri="{C183D7F6-B498-43B3-948B-1728B52AA6E4}">
+                <adec:decorative xmlns:adec="http://schemas.microsoft.com/office/drawing/2017/decorative" val="1"/>
+              </a:ext>
+            </a:extLst>
+          </p:cNvPr>
+          <p:cNvSpPr>
+            <a:spLocks noGrp="1" noRot="1" noChangeAspect="1" noMove="1" noResize="1" noEditPoints="1" noAdjustHandles="1" noChangeArrowheads="1" noChangeShapeType="1" noTextEdit="1"/>
+          </p:cNvSpPr>
+          <p:nvPr>
+            <p:extLst>
+              <p:ext uri="{386F3935-93C4-4BCD-93E2-E3B085C9AB24}">
+                <p16:designElem xmlns:p16="http://schemas.microsoft.com/office/powerpoint/2015/main" val="1"/>
+              </p:ext>
+            </p:extLst>
+          </p:nvPr>
+        </p:nvSpPr>
+        <p:spPr>
+          <a:xfrm>
+            <a:off x="-1" y="6061223"/>
+            <a:ext cx="1038036" cy="506277"/>
+          </a:xfrm>
+          <a:custGeom>
+            <a:avLst/>
+            <a:gdLst>
+              <a:gd name="connsiteX0" fmla="*/ 0 w 1038036"/>
+              <a:gd name="connsiteY0" fmla="*/ 0 h 506277"/>
+              <a:gd name="connsiteX1" fmla="*/ 182880 w 1038036"/>
+              <a:gd name="connsiteY1" fmla="*/ 0 h 506277"/>
+              <a:gd name="connsiteX2" fmla="*/ 291705 w 1038036"/>
+              <a:gd name="connsiteY2" fmla="*/ 0 h 506277"/>
+              <a:gd name="connsiteX3" fmla="*/ 291705 w 1038036"/>
+              <a:gd name="connsiteY3" fmla="*/ 151 h 506277"/>
+              <a:gd name="connsiteX4" fmla="*/ 692049 w 1038036"/>
+              <a:gd name="connsiteY4" fmla="*/ 705 h 506277"/>
+              <a:gd name="connsiteX5" fmla="*/ 782744 w 1038036"/>
+              <a:gd name="connsiteY5" fmla="*/ 705 h 506277"/>
+              <a:gd name="connsiteX6" fmla="*/ 797001 w 1038036"/>
+              <a:gd name="connsiteY6" fmla="*/ 5473 h 506277"/>
+              <a:gd name="connsiteX7" fmla="*/ 801982 w 1038036"/>
+              <a:gd name="connsiteY7" fmla="*/ 10242 h 506277"/>
+              <a:gd name="connsiteX8" fmla="*/ 1030951 w 1038036"/>
+              <a:gd name="connsiteY8" fmla="*/ 239185 h 506277"/>
+              <a:gd name="connsiteX9" fmla="*/ 1030951 w 1038036"/>
+              <a:gd name="connsiteY9" fmla="*/ 267797 h 506277"/>
+              <a:gd name="connsiteX10" fmla="*/ 801982 w 1038036"/>
+              <a:gd name="connsiteY10" fmla="*/ 496740 h 506277"/>
+              <a:gd name="connsiteX11" fmla="*/ 797001 w 1038036"/>
+              <a:gd name="connsiteY11" fmla="*/ 501508 h 506277"/>
+              <a:gd name="connsiteX12" fmla="*/ 782744 w 1038036"/>
+              <a:gd name="connsiteY12" fmla="*/ 506277 h 506277"/>
+              <a:gd name="connsiteX13" fmla="*/ 692049 w 1038036"/>
+              <a:gd name="connsiteY13" fmla="*/ 506277 h 506277"/>
+              <a:gd name="connsiteX14" fmla="*/ 291705 w 1038036"/>
+              <a:gd name="connsiteY14" fmla="*/ 505140 h 506277"/>
+              <a:gd name="connsiteX15" fmla="*/ 291705 w 1038036"/>
+              <a:gd name="connsiteY15" fmla="*/ 506277 h 506277"/>
+              <a:gd name="connsiteX16" fmla="*/ 0 w 1038036"/>
+              <a:gd name="connsiteY16" fmla="*/ 506277 h 506277"/>
+            </a:gdLst>
+            <a:ahLst/>
+            <a:cxnLst>
+              <a:cxn ang="0">
+                <a:pos x="connsiteX0" y="connsiteY0"/>
+              </a:cxn>
+              <a:cxn ang="0">
+                <a:pos x="connsiteX1" y="connsiteY1"/>
+              </a:cxn>
+              <a:cxn ang="0">
+                <a:pos x="connsiteX2" y="connsiteY2"/>
+              </a:cxn>
+              <a:cxn ang="0">
+                <a:pos x="connsiteX3" y="connsiteY3"/>
+              </a:cxn>
+              <a:cxn ang="0">
+                <a:pos x="connsiteX4" y="connsiteY4"/>
+              </a:cxn>
+              <a:cxn ang="0">
+                <a:pos x="connsiteX5" y="connsiteY5"/>
+              </a:cxn>
+              <a:cxn ang="0">
+                <a:pos x="connsiteX6" y="connsiteY6"/>
+              </a:cxn>
+              <a:cxn ang="0">
+                <a:pos x="connsiteX7" y="connsiteY7"/>
+              </a:cxn>
+              <a:cxn ang="0">
+                <a:pos x="connsiteX8" y="connsiteY8"/>
+              </a:cxn>
+              <a:cxn ang="0">
+                <a:pos x="connsiteX9" y="connsiteY9"/>
+              </a:cxn>
+              <a:cxn ang="0">
+                <a:pos x="connsiteX10" y="connsiteY10"/>
+              </a:cxn>
+              <a:cxn ang="0">
+                <a:pos x="connsiteX11" y="connsiteY11"/>
+              </a:cxn>
+              <a:cxn ang="0">
+                <a:pos x="connsiteX12" y="connsiteY12"/>
+              </a:cxn>
+              <a:cxn ang="0">
+                <a:pos x="connsiteX13" y="connsiteY13"/>
+              </a:cxn>
+              <a:cxn ang="0">
+                <a:pos x="connsiteX14" y="connsiteY14"/>
+              </a:cxn>
+              <a:cxn ang="0">
+                <a:pos x="connsiteX15" y="connsiteY15"/>
+              </a:cxn>
+              <a:cxn ang="0">
+                <a:pos x="connsiteX16" y="connsiteY16"/>
+              </a:cxn>
+            </a:cxnLst>
+            <a:rect l="l" t="t" r="r" b="b"/>
+            <a:pathLst>
+              <a:path w="1038036" h="506277">
+                <a:moveTo>
+                  <a:pt x="0" y="0"/>
+                </a:moveTo>
+                <a:lnTo>
+                  <a:pt x="182880" y="0"/>
+                </a:lnTo>
+                <a:lnTo>
+                  <a:pt x="291705" y="0"/>
+                </a:lnTo>
+                <a:lnTo>
+                  <a:pt x="291705" y="151"/>
+                </a:lnTo>
+                <a:lnTo>
+                  <a:pt x="692049" y="705"/>
+                </a:lnTo>
+                <a:lnTo>
+                  <a:pt x="782744" y="705"/>
+                </a:lnTo>
+                <a:cubicBezTo>
+                  <a:pt x="787553" y="705"/>
+                  <a:pt x="792363" y="5473"/>
+                  <a:pt x="797001" y="5473"/>
+                </a:cubicBezTo>
+                <a:cubicBezTo>
+                  <a:pt x="797001" y="10242"/>
+                  <a:pt x="801982" y="10242"/>
+                  <a:pt x="801982" y="10242"/>
+                </a:cubicBezTo>
+                <a:lnTo>
+                  <a:pt x="1030951" y="239185"/>
+                </a:lnTo>
+                <a:cubicBezTo>
+                  <a:pt x="1040398" y="248722"/>
+                  <a:pt x="1040398" y="258259"/>
+                  <a:pt x="1030951" y="267797"/>
+                </a:cubicBezTo>
+                <a:lnTo>
+                  <a:pt x="801982" y="496740"/>
+                </a:lnTo>
+                <a:cubicBezTo>
+                  <a:pt x="800436" y="498363"/>
+                  <a:pt x="798547" y="499885"/>
+                  <a:pt x="797001" y="501508"/>
+                </a:cubicBezTo>
+                <a:cubicBezTo>
+                  <a:pt x="792363" y="506277"/>
+                  <a:pt x="787553" y="506277"/>
+                  <a:pt x="782744" y="506277"/>
+                </a:cubicBezTo>
+                <a:lnTo>
+                  <a:pt x="692049" y="506277"/>
+                </a:lnTo>
+                <a:lnTo>
+                  <a:pt x="291705" y="505140"/>
+                </a:lnTo>
+                <a:lnTo>
+                  <a:pt x="291705" y="506277"/>
+                </a:lnTo>
+                <a:lnTo>
+                  <a:pt x="0" y="506277"/>
+                </a:lnTo>
+                <a:close/>
+              </a:path>
+            </a:pathLst>
+          </a:custGeom>
+          <a:ln>
+            <a:noFill/>
+          </a:ln>
+        </p:spPr>
+        <p:style>
+          <a:lnRef idx="2">
+            <a:schemeClr val="accent1">
+              <a:shade val="50000"/>
+            </a:schemeClr>
+          </a:lnRef>
+          <a:fillRef idx="1">
+            <a:schemeClr val="accent1"/>
+          </a:fillRef>
+          <a:effectRef idx="0">
+            <a:schemeClr val="accent1"/>
+          </a:effectRef>
+          <a:fontRef idx="minor">
+            <a:schemeClr val="lt1"/>
+          </a:fontRef>
+        </p:style>
+        <p:txBody>
+          <a:bodyPr rtlCol="0" anchor="ctr"/>
+          <a:lstStyle/>
+          <a:p>
+            <a:pPr algn="ctr"/>
+            <a:endParaRPr lang="en-US"/>
+          </a:p>
+        </p:txBody>
+      </p:sp>
+    </p:spTree>
+    <p:extLst>
+      <p:ext uri="{BB962C8B-B14F-4D97-AF65-F5344CB8AC3E}">
+        <p14:creationId xmlns:p14="http://schemas.microsoft.com/office/powerpoint/2010/main" val="918510352"/>
+      </p:ext>
+    </p:extLst>
+  </p:cSld>
+  <p:clrMapOvr>
+    <a:masterClrMapping/>
+  </p:clrMapOvr>
+</p:sld>
+</file>
+
+<file path=ppt/slides/slide6.xml><?xml version="1.0" encoding="utf-8"?>
+<p:sld xmlns:a="http://schemas.openxmlformats.org/drawingml/2006/main" xmlns:r="http://schemas.openxmlformats.org/officeDocument/2006/relationships" xmlns:p="http://schemas.openxmlformats.org/presentationml/2006/main">
+  <p:cSld>
+    <p:bg>
+      <p:bgPr>
+        <a:gradFill rotWithShape="1">
+          <a:gsLst>
+            <a:gs pos="0">
+              <a:schemeClr val="bg2">
+                <a:tint val="90000"/>
+                <a:satMod val="92000"/>
+                <a:lumMod val="120000"/>
+              </a:schemeClr>
+            </a:gs>
+            <a:gs pos="100000">
+              <a:schemeClr val="bg2">
+                <a:shade val="98000"/>
+                <a:satMod val="120000"/>
+                <a:lumMod val="98000"/>
+              </a:schemeClr>
+            </a:gs>
+          </a:gsLst>
+          <a:path path="circle">
+            <a:fillToRect l="50000" t="50000" r="100000" b="100000"/>
+          </a:path>
+        </a:gradFill>
+        <a:effectLst/>
+      </p:bgPr>
+    </p:bg>
+    <p:spTree>
+      <p:nvGrpSpPr>
+        <p:cNvPr id="1" name=""/>
+        <p:cNvGrpSpPr/>
+        <p:nvPr/>
+      </p:nvGrpSpPr>
+      <p:grpSpPr>
+        <a:xfrm>
+          <a:off x="0" y="0"/>
+          <a:ext cx="0" cy="0"/>
+          <a:chOff x="0" y="0"/>
+          <a:chExt cx="0" cy="0"/>
+        </a:xfrm>
+      </p:grpSpPr>
+      <p:sp useBgFill="1">
+        <p:nvSpPr>
+          <p:cNvPr id="9" name="Rectangle 8">
+            <a:extLst>
+              <a:ext uri="{FF2B5EF4-FFF2-40B4-BE49-F238E27FC236}">
+                <a16:creationId xmlns:a16="http://schemas.microsoft.com/office/drawing/2014/main" id="{3F4C104D-5F30-4811-9376-566B26E4719A}"/>
+              </a:ext>
+              <a:ext uri="{C183D7F6-B498-43B3-948B-1728B52AA6E4}">
+                <adec:decorative xmlns:adec="http://schemas.microsoft.com/office/drawing/2017/decorative" val="1"/>
+              </a:ext>
+            </a:extLst>
+          </p:cNvPr>
+          <p:cNvSpPr>
+            <a:spLocks noGrp="1" noRot="1" noChangeAspect="1" noMove="1" noResize="1" noEditPoints="1" noAdjustHandles="1" noChangeArrowheads="1" noChangeShapeType="1" noTextEdit="1"/>
+          </p:cNvSpPr>
+          <p:nvPr>
+            <p:extLst>
+              <p:ext uri="{386F3935-93C4-4BCD-93E2-E3B085C9AB24}">
+                <p16:designElem xmlns:p16="http://schemas.microsoft.com/office/powerpoint/2015/main" val="1"/>
+              </p:ext>
+            </p:extLst>
+          </p:nvPr>
+        </p:nvSpPr>
+        <p:spPr>
+          <a:xfrm>
+            <a:off x="0" y="-786"/>
+            <a:ext cx="12192000" cy="6854038"/>
+          </a:xfrm>
+          <a:prstGeom prst="rect">
+            <a:avLst/>
+          </a:prstGeom>
+          <a:ln>
+            <a:noFill/>
+          </a:ln>
+        </p:spPr>
+        <p:style>
+          <a:lnRef idx="2">
+            <a:schemeClr val="accent1">
+              <a:shade val="50000"/>
+            </a:schemeClr>
+          </a:lnRef>
+          <a:fillRef idx="1">
+            <a:schemeClr val="accent1"/>
+          </a:fillRef>
+          <a:effectRef idx="0">
+            <a:schemeClr val="accent1"/>
+          </a:effectRef>
+          <a:fontRef idx="minor">
+            <a:schemeClr val="lt1"/>
+          </a:fontRef>
+        </p:style>
+        <p:txBody>
+          <a:bodyPr rtlCol="0" anchor="ctr"/>
+          <a:lstStyle/>
+          <a:p>
+            <a:pPr algn="ctr"/>
+            <a:endParaRPr lang="en-US"/>
+          </a:p>
+        </p:txBody>
+      </p:sp>
       <p:sp>
         <p:nvSpPr>
           <p:cNvPr id="2" name="Title 1"/>
@@ -7990,55 +8684,355 @@
             <p:ph type="title"/>
           </p:nvPr>
         </p:nvSpPr>
-        <p:spPr/>
-        <p:txBody>
-          <a:bodyPr/>
+        <p:spPr>
+          <a:xfrm>
+            <a:off x="649224" y="645106"/>
+            <a:ext cx="3650279" cy="1259894"/>
+          </a:xfrm>
+        </p:spPr>
+        <p:txBody>
+          <a:bodyPr>
+            <a:normAutofit/>
+          </a:bodyPr>
           <a:lstStyle/>
           <a:p>
+            <a:pPr>
+              <a:lnSpc>
+                <a:spcPct val="90000"/>
+              </a:lnSpc>
+            </a:pPr>
+            <a:r>
+              <a:rPr lang="en-GB" sz="3100"/>
+              <a:t>System Evaluation / Testing</a:t>
+            </a:r>
+          </a:p>
+        </p:txBody>
+      </p:sp>
+      <p:sp>
+        <p:nvSpPr>
+          <p:cNvPr id="11" name="Rectangle 10">
+            <a:extLst>
+              <a:ext uri="{FF2B5EF4-FFF2-40B4-BE49-F238E27FC236}">
+                <a16:creationId xmlns:a16="http://schemas.microsoft.com/office/drawing/2014/main" id="{0815E34B-5D02-4E01-A936-E8E1C0AB6F12}"/>
+              </a:ext>
+              <a:ext uri="{C183D7F6-B498-43B3-948B-1728B52AA6E4}">
+                <adec:decorative xmlns:adec="http://schemas.microsoft.com/office/drawing/2017/decorative" val="1"/>
+              </a:ext>
+            </a:extLst>
+          </p:cNvPr>
+          <p:cNvSpPr>
+            <a:spLocks noGrp="1" noRot="1" noChangeAspect="1" noMove="1" noResize="1" noEditPoints="1" noAdjustHandles="1" noChangeArrowheads="1" noChangeShapeType="1" noTextEdit="1"/>
+          </p:cNvSpPr>
+          <p:nvPr>
+            <p:extLst>
+              <p:ext uri="{386F3935-93C4-4BCD-93E2-E3B085C9AB24}">
+                <p16:designElem xmlns:p16="http://schemas.microsoft.com/office/powerpoint/2015/main" val="1"/>
+              </p:ext>
+            </p:extLst>
+          </p:nvPr>
+        </p:nvSpPr>
+        <p:spPr>
+          <a:xfrm>
+            <a:off x="0" y="0"/>
+            <a:ext cx="182880" cy="6858000"/>
+          </a:xfrm>
+          <a:prstGeom prst="rect">
+            <a:avLst/>
+          </a:prstGeom>
+          <a:solidFill>
+            <a:schemeClr val="tx2"/>
+          </a:solidFill>
+          <a:ln>
+            <a:noFill/>
+          </a:ln>
+          <a:effectLst/>
+        </p:spPr>
+        <p:style>
+          <a:lnRef idx="1">
+            <a:schemeClr val="accent1"/>
+          </a:lnRef>
+          <a:fillRef idx="3">
+            <a:schemeClr val="accent1"/>
+          </a:fillRef>
+          <a:effectRef idx="2">
+            <a:schemeClr val="accent1"/>
+          </a:effectRef>
+          <a:fontRef idx="minor">
+            <a:schemeClr val="lt1"/>
+          </a:fontRef>
+        </p:style>
+      </p:sp>
+      <p:sp>
+        <p:nvSpPr>
+          <p:cNvPr id="3" name="Content Placeholder 2"/>
+          <p:cNvSpPr>
+            <a:spLocks noGrp="1"/>
+          </p:cNvSpPr>
+          <p:nvPr>
+            <p:ph idx="1"/>
+          </p:nvPr>
+        </p:nvSpPr>
+        <p:spPr>
+          <a:xfrm>
+            <a:off x="649225" y="2133600"/>
+            <a:ext cx="3650278" cy="3759253"/>
+          </a:xfrm>
+        </p:spPr>
+        <p:txBody>
+          <a:bodyPr>
+            <a:normAutofit/>
+          </a:bodyPr>
+          <a:lstStyle/>
+          <a:p>
             <a:r>
               <a:rPr lang="en-GB" dirty="0"/>
-              <a:t>System Evaluation / Testing</a:t>
-            </a:r>
-          </a:p>
-        </p:txBody>
-      </p:sp>
-      <p:sp>
-        <p:nvSpPr>
-          <p:cNvPr id="3" name="Content Placeholder 2"/>
-          <p:cNvSpPr>
-            <a:spLocks noGrp="1"/>
-          </p:cNvSpPr>
-          <p:nvPr>
-            <p:ph idx="1"/>
-          </p:nvPr>
-        </p:nvSpPr>
-        <p:spPr/>
-        <p:txBody>
-          <a:bodyPr/>
+              <a:t>Example of Front End so far of the Android Application Running in an Android Emulator</a:t>
+            </a:r>
+          </a:p>
+        </p:txBody>
+      </p:sp>
+      <p:pic>
+        <p:nvPicPr>
+          <p:cNvPr id="4" name="Picture 3">
+            <a:extLst>
+              <a:ext uri="{FF2B5EF4-FFF2-40B4-BE49-F238E27FC236}">
+                <a16:creationId xmlns:a16="http://schemas.microsoft.com/office/drawing/2014/main" id="{242C22A3-7078-42FF-9085-2EB565D31F23}"/>
+              </a:ext>
+            </a:extLst>
+          </p:cNvPr>
+          <p:cNvPicPr/>
+          <p:nvPr/>
+        </p:nvPicPr>
+        <p:blipFill>
+          <a:blip r:embed="rId2"/>
+          <a:stretch>
+            <a:fillRect/>
+          </a:stretch>
+        </p:blipFill>
+        <p:spPr>
+          <a:xfrm>
+            <a:off x="6888194" y="640080"/>
+            <a:ext cx="2416275" cy="5252773"/>
+          </a:xfrm>
+          <a:prstGeom prst="rect">
+            <a:avLst/>
+          </a:prstGeom>
+        </p:spPr>
+      </p:pic>
+      <p:sp>
+        <p:nvSpPr>
+          <p:cNvPr id="13" name="Freeform 11">
+            <a:extLst>
+              <a:ext uri="{FF2B5EF4-FFF2-40B4-BE49-F238E27FC236}">
+                <a16:creationId xmlns:a16="http://schemas.microsoft.com/office/drawing/2014/main" id="{7DE3414B-B032-4710-A468-D3285E38C5FF}"/>
+              </a:ext>
+              <a:ext uri="{C183D7F6-B498-43B3-948B-1728B52AA6E4}">
+                <adec:decorative xmlns:adec="http://schemas.microsoft.com/office/drawing/2017/decorative" val="1"/>
+              </a:ext>
+            </a:extLst>
+          </p:cNvPr>
+          <p:cNvSpPr>
+            <a:spLocks noGrp="1" noRot="1" noChangeAspect="1" noMove="1" noResize="1" noEditPoints="1" noAdjustHandles="1" noChangeArrowheads="1" noChangeShapeType="1" noTextEdit="1"/>
+          </p:cNvSpPr>
+          <p:nvPr>
+            <p:extLst>
+              <p:ext uri="{386F3935-93C4-4BCD-93E2-E3B085C9AB24}">
+                <p16:designElem xmlns:p16="http://schemas.microsoft.com/office/powerpoint/2015/main" val="1"/>
+              </p:ext>
+            </p:extLst>
+          </p:nvPr>
+        </p:nvSpPr>
+        <p:spPr>
+          <a:xfrm>
+            <a:off x="-1" y="6061223"/>
+            <a:ext cx="1038036" cy="506277"/>
+          </a:xfrm>
+          <a:custGeom>
+            <a:avLst/>
+            <a:gdLst>
+              <a:gd name="connsiteX0" fmla="*/ 0 w 1038036"/>
+              <a:gd name="connsiteY0" fmla="*/ 0 h 506277"/>
+              <a:gd name="connsiteX1" fmla="*/ 182880 w 1038036"/>
+              <a:gd name="connsiteY1" fmla="*/ 0 h 506277"/>
+              <a:gd name="connsiteX2" fmla="*/ 291705 w 1038036"/>
+              <a:gd name="connsiteY2" fmla="*/ 0 h 506277"/>
+              <a:gd name="connsiteX3" fmla="*/ 291705 w 1038036"/>
+              <a:gd name="connsiteY3" fmla="*/ 151 h 506277"/>
+              <a:gd name="connsiteX4" fmla="*/ 692049 w 1038036"/>
+              <a:gd name="connsiteY4" fmla="*/ 705 h 506277"/>
+              <a:gd name="connsiteX5" fmla="*/ 782744 w 1038036"/>
+              <a:gd name="connsiteY5" fmla="*/ 705 h 506277"/>
+              <a:gd name="connsiteX6" fmla="*/ 797001 w 1038036"/>
+              <a:gd name="connsiteY6" fmla="*/ 5473 h 506277"/>
+              <a:gd name="connsiteX7" fmla="*/ 801982 w 1038036"/>
+              <a:gd name="connsiteY7" fmla="*/ 10242 h 506277"/>
+              <a:gd name="connsiteX8" fmla="*/ 1030951 w 1038036"/>
+              <a:gd name="connsiteY8" fmla="*/ 239185 h 506277"/>
+              <a:gd name="connsiteX9" fmla="*/ 1030951 w 1038036"/>
+              <a:gd name="connsiteY9" fmla="*/ 267797 h 506277"/>
+              <a:gd name="connsiteX10" fmla="*/ 801982 w 1038036"/>
+              <a:gd name="connsiteY10" fmla="*/ 496740 h 506277"/>
+              <a:gd name="connsiteX11" fmla="*/ 797001 w 1038036"/>
+              <a:gd name="connsiteY11" fmla="*/ 501508 h 506277"/>
+              <a:gd name="connsiteX12" fmla="*/ 782744 w 1038036"/>
+              <a:gd name="connsiteY12" fmla="*/ 506277 h 506277"/>
+              <a:gd name="connsiteX13" fmla="*/ 692049 w 1038036"/>
+              <a:gd name="connsiteY13" fmla="*/ 506277 h 506277"/>
+              <a:gd name="connsiteX14" fmla="*/ 291705 w 1038036"/>
+              <a:gd name="connsiteY14" fmla="*/ 505140 h 506277"/>
+              <a:gd name="connsiteX15" fmla="*/ 291705 w 1038036"/>
+              <a:gd name="connsiteY15" fmla="*/ 506277 h 506277"/>
+              <a:gd name="connsiteX16" fmla="*/ 0 w 1038036"/>
+              <a:gd name="connsiteY16" fmla="*/ 506277 h 506277"/>
+            </a:gdLst>
+            <a:ahLst/>
+            <a:cxnLst>
+              <a:cxn ang="0">
+                <a:pos x="connsiteX0" y="connsiteY0"/>
+              </a:cxn>
+              <a:cxn ang="0">
+                <a:pos x="connsiteX1" y="connsiteY1"/>
+              </a:cxn>
+              <a:cxn ang="0">
+                <a:pos x="connsiteX2" y="connsiteY2"/>
+              </a:cxn>
+              <a:cxn ang="0">
+                <a:pos x="connsiteX3" y="connsiteY3"/>
+              </a:cxn>
+              <a:cxn ang="0">
+                <a:pos x="connsiteX4" y="connsiteY4"/>
+              </a:cxn>
+              <a:cxn ang="0">
+                <a:pos x="connsiteX5" y="connsiteY5"/>
+              </a:cxn>
+              <a:cxn ang="0">
+                <a:pos x="connsiteX6" y="connsiteY6"/>
+              </a:cxn>
+              <a:cxn ang="0">
+                <a:pos x="connsiteX7" y="connsiteY7"/>
+              </a:cxn>
+              <a:cxn ang="0">
+                <a:pos x="connsiteX8" y="connsiteY8"/>
+              </a:cxn>
+              <a:cxn ang="0">
+                <a:pos x="connsiteX9" y="connsiteY9"/>
+              </a:cxn>
+              <a:cxn ang="0">
+                <a:pos x="connsiteX10" y="connsiteY10"/>
+              </a:cxn>
+              <a:cxn ang="0">
+                <a:pos x="connsiteX11" y="connsiteY11"/>
+              </a:cxn>
+              <a:cxn ang="0">
+                <a:pos x="connsiteX12" y="connsiteY12"/>
+              </a:cxn>
+              <a:cxn ang="0">
+                <a:pos x="connsiteX13" y="connsiteY13"/>
+              </a:cxn>
+              <a:cxn ang="0">
+                <a:pos x="connsiteX14" y="connsiteY14"/>
+              </a:cxn>
+              <a:cxn ang="0">
+                <a:pos x="connsiteX15" y="connsiteY15"/>
+              </a:cxn>
+              <a:cxn ang="0">
+                <a:pos x="connsiteX16" y="connsiteY16"/>
+              </a:cxn>
+            </a:cxnLst>
+            <a:rect l="l" t="t" r="r" b="b"/>
+            <a:pathLst>
+              <a:path w="1038036" h="506277">
+                <a:moveTo>
+                  <a:pt x="0" y="0"/>
+                </a:moveTo>
+                <a:lnTo>
+                  <a:pt x="182880" y="0"/>
+                </a:lnTo>
+                <a:lnTo>
+                  <a:pt x="291705" y="0"/>
+                </a:lnTo>
+                <a:lnTo>
+                  <a:pt x="291705" y="151"/>
+                </a:lnTo>
+                <a:lnTo>
+                  <a:pt x="692049" y="705"/>
+                </a:lnTo>
+                <a:lnTo>
+                  <a:pt x="782744" y="705"/>
+                </a:lnTo>
+                <a:cubicBezTo>
+                  <a:pt x="787553" y="705"/>
+                  <a:pt x="792363" y="5473"/>
+                  <a:pt x="797001" y="5473"/>
+                </a:cubicBezTo>
+                <a:cubicBezTo>
+                  <a:pt x="797001" y="10242"/>
+                  <a:pt x="801982" y="10242"/>
+                  <a:pt x="801982" y="10242"/>
+                </a:cubicBezTo>
+                <a:lnTo>
+                  <a:pt x="1030951" y="239185"/>
+                </a:lnTo>
+                <a:cubicBezTo>
+                  <a:pt x="1040398" y="248722"/>
+                  <a:pt x="1040398" y="258259"/>
+                  <a:pt x="1030951" y="267797"/>
+                </a:cubicBezTo>
+                <a:lnTo>
+                  <a:pt x="801982" y="496740"/>
+                </a:lnTo>
+                <a:cubicBezTo>
+                  <a:pt x="800436" y="498363"/>
+                  <a:pt x="798547" y="499885"/>
+                  <a:pt x="797001" y="501508"/>
+                </a:cubicBezTo>
+                <a:cubicBezTo>
+                  <a:pt x="792363" y="506277"/>
+                  <a:pt x="787553" y="506277"/>
+                  <a:pt x="782744" y="506277"/>
+                </a:cubicBezTo>
+                <a:lnTo>
+                  <a:pt x="692049" y="506277"/>
+                </a:lnTo>
+                <a:lnTo>
+                  <a:pt x="291705" y="505140"/>
+                </a:lnTo>
+                <a:lnTo>
+                  <a:pt x="291705" y="506277"/>
+                </a:lnTo>
+                <a:lnTo>
+                  <a:pt x="0" y="506277"/>
+                </a:lnTo>
+                <a:close/>
+              </a:path>
+            </a:pathLst>
+          </a:custGeom>
+          <a:ln>
+            <a:noFill/>
+          </a:ln>
+        </p:spPr>
+        <p:style>
+          <a:lnRef idx="2">
+            <a:schemeClr val="accent1">
+              <a:shade val="50000"/>
+            </a:schemeClr>
+          </a:lnRef>
+          <a:fillRef idx="1">
+            <a:schemeClr val="accent1"/>
+          </a:fillRef>
+          <a:effectRef idx="0">
+            <a:schemeClr val="accent1"/>
+          </a:effectRef>
+          <a:fontRef idx="minor">
+            <a:schemeClr val="lt1"/>
+          </a:fontRef>
+        </p:style>
+        <p:txBody>
+          <a:bodyPr rtlCol="0" anchor="ctr"/>
           <a:lstStyle/>
           <a:p>
-            <a:r>
-              <a:rPr lang="en-GB" dirty="0"/>
-              <a:t>Evidence that the software actually works.</a:t>
-            </a:r>
-          </a:p>
-          <a:p>
-            <a:r>
-              <a:rPr lang="en-GB" dirty="0"/>
-              <a:t>Any tests, benchmarks, performance measures, customer feedback, etc.</a:t>
-            </a:r>
-            <a:r>
-              <a:rPr lang="mr-IN" dirty="0"/>
-              <a:t>…</a:t>
-            </a:r>
-            <a:endParaRPr lang="en-IE" dirty="0"/>
-          </a:p>
-          <a:p>
-            <a:r>
-              <a:rPr lang="en-IE" dirty="0"/>
-              <a:t>Identification of limitations in the design / implementation.</a:t>
-            </a:r>
-            <a:endParaRPr lang="en-GB" dirty="0"/>
+            <a:pPr algn="ctr"/>
+            <a:endParaRPr lang="en-US"/>
           </a:p>
         </p:txBody>
       </p:sp>
@@ -8055,7 +9049,1087 @@
 </p:sld>
 </file>
 
-<file path=ppt/slides/slide6.xml><?xml version="1.0" encoding="utf-8"?>
+<file path=ppt/slides/slide7.xml><?xml version="1.0" encoding="utf-8"?>
+<p:sld xmlns:a="http://schemas.openxmlformats.org/drawingml/2006/main" xmlns:r="http://schemas.openxmlformats.org/officeDocument/2006/relationships" xmlns:p="http://schemas.openxmlformats.org/presentationml/2006/main">
+  <p:cSld>
+    <p:bg>
+      <p:bgPr>
+        <a:gradFill rotWithShape="1">
+          <a:gsLst>
+            <a:gs pos="0">
+              <a:schemeClr val="bg2">
+                <a:tint val="90000"/>
+                <a:satMod val="92000"/>
+                <a:lumMod val="120000"/>
+              </a:schemeClr>
+            </a:gs>
+            <a:gs pos="100000">
+              <a:schemeClr val="bg2">
+                <a:shade val="98000"/>
+                <a:satMod val="120000"/>
+                <a:lumMod val="98000"/>
+              </a:schemeClr>
+            </a:gs>
+          </a:gsLst>
+          <a:path path="circle">
+            <a:fillToRect l="50000" t="50000" r="100000" b="100000"/>
+          </a:path>
+        </a:gradFill>
+        <a:effectLst/>
+      </p:bgPr>
+    </p:bg>
+    <p:spTree>
+      <p:nvGrpSpPr>
+        <p:cNvPr id="1" name=""/>
+        <p:cNvGrpSpPr/>
+        <p:nvPr/>
+      </p:nvGrpSpPr>
+      <p:grpSpPr>
+        <a:xfrm>
+          <a:off x="0" y="0"/>
+          <a:ext cx="0" cy="0"/>
+          <a:chOff x="0" y="0"/>
+          <a:chExt cx="0" cy="0"/>
+        </a:xfrm>
+      </p:grpSpPr>
+      <p:sp useBgFill="1">
+        <p:nvSpPr>
+          <p:cNvPr id="27" name="Rectangle 26">
+            <a:extLst>
+              <a:ext uri="{FF2B5EF4-FFF2-40B4-BE49-F238E27FC236}">
+                <a16:creationId xmlns:a16="http://schemas.microsoft.com/office/drawing/2014/main" id="{B5898079-081F-4617-AC6B-4290266737B3}"/>
+              </a:ext>
+              <a:ext uri="{C183D7F6-B498-43B3-948B-1728B52AA6E4}">
+                <adec:decorative xmlns:adec="http://schemas.microsoft.com/office/drawing/2017/decorative" val="1"/>
+              </a:ext>
+            </a:extLst>
+          </p:cNvPr>
+          <p:cNvSpPr>
+            <a:spLocks noGrp="1" noRot="1" noChangeAspect="1" noMove="1" noResize="1" noEditPoints="1" noAdjustHandles="1" noChangeArrowheads="1" noChangeShapeType="1" noTextEdit="1"/>
+          </p:cNvSpPr>
+          <p:nvPr>
+            <p:extLst>
+              <p:ext uri="{386F3935-93C4-4BCD-93E2-E3B085C9AB24}">
+                <p16:designElem xmlns:p16="http://schemas.microsoft.com/office/powerpoint/2015/main" val="1"/>
+              </p:ext>
+            </p:extLst>
+          </p:nvPr>
+        </p:nvSpPr>
+        <p:spPr>
+          <a:xfrm>
+            <a:off x="0" y="-786"/>
+            <a:ext cx="12192000" cy="6854038"/>
+          </a:xfrm>
+          <a:prstGeom prst="rect">
+            <a:avLst/>
+          </a:prstGeom>
+          <a:ln>
+            <a:noFill/>
+          </a:ln>
+        </p:spPr>
+        <p:style>
+          <a:lnRef idx="2">
+            <a:schemeClr val="accent1">
+              <a:shade val="50000"/>
+            </a:schemeClr>
+          </a:lnRef>
+          <a:fillRef idx="1">
+            <a:schemeClr val="accent1"/>
+          </a:fillRef>
+          <a:effectRef idx="0">
+            <a:schemeClr val="accent1"/>
+          </a:effectRef>
+          <a:fontRef idx="minor">
+            <a:schemeClr val="lt1"/>
+          </a:fontRef>
+        </p:style>
+        <p:txBody>
+          <a:bodyPr rtlCol="0" anchor="ctr"/>
+          <a:lstStyle/>
+          <a:p>
+            <a:pPr algn="ctr"/>
+            <a:endParaRPr lang="en-US"/>
+          </a:p>
+        </p:txBody>
+      </p:sp>
+      <p:sp>
+        <p:nvSpPr>
+          <p:cNvPr id="2" name="Title 1"/>
+          <p:cNvSpPr>
+            <a:spLocks noGrp="1"/>
+          </p:cNvSpPr>
+          <p:nvPr>
+            <p:ph type="title"/>
+          </p:nvPr>
+        </p:nvSpPr>
+        <p:spPr>
+          <a:xfrm>
+            <a:off x="649224" y="645106"/>
+            <a:ext cx="5122652" cy="1259894"/>
+          </a:xfrm>
+        </p:spPr>
+        <p:txBody>
+          <a:bodyPr>
+            <a:normAutofit/>
+          </a:bodyPr>
+          <a:lstStyle/>
+          <a:p>
+            <a:r>
+              <a:rPr lang="en-GB"/>
+              <a:t>System Evaluation / Testing</a:t>
+            </a:r>
+          </a:p>
+        </p:txBody>
+      </p:sp>
+      <p:sp>
+        <p:nvSpPr>
+          <p:cNvPr id="29" name="Rectangle 28">
+            <a:extLst>
+              <a:ext uri="{FF2B5EF4-FFF2-40B4-BE49-F238E27FC236}">
+                <a16:creationId xmlns:a16="http://schemas.microsoft.com/office/drawing/2014/main" id="{BB829EC8-5B3D-469E-942E-5E6E569E5C9B}"/>
+              </a:ext>
+              <a:ext uri="{C183D7F6-B498-43B3-948B-1728B52AA6E4}">
+                <adec:decorative xmlns:adec="http://schemas.microsoft.com/office/drawing/2017/decorative" val="1"/>
+              </a:ext>
+            </a:extLst>
+          </p:cNvPr>
+          <p:cNvSpPr>
+            <a:spLocks noGrp="1" noRot="1" noChangeAspect="1" noMove="1" noResize="1" noEditPoints="1" noAdjustHandles="1" noChangeArrowheads="1" noChangeShapeType="1" noTextEdit="1"/>
+          </p:cNvSpPr>
+          <p:nvPr>
+            <p:extLst>
+              <p:ext uri="{386F3935-93C4-4BCD-93E2-E3B085C9AB24}">
+                <p16:designElem xmlns:p16="http://schemas.microsoft.com/office/powerpoint/2015/main" val="1"/>
+              </p:ext>
+            </p:extLst>
+          </p:nvPr>
+        </p:nvSpPr>
+        <p:spPr>
+          <a:xfrm>
+            <a:off x="0" y="0"/>
+            <a:ext cx="182880" cy="6858000"/>
+          </a:xfrm>
+          <a:prstGeom prst="rect">
+            <a:avLst/>
+          </a:prstGeom>
+          <a:solidFill>
+            <a:schemeClr val="tx2"/>
+          </a:solidFill>
+          <a:ln>
+            <a:noFill/>
+          </a:ln>
+          <a:effectLst/>
+        </p:spPr>
+        <p:style>
+          <a:lnRef idx="1">
+            <a:schemeClr val="accent1"/>
+          </a:lnRef>
+          <a:fillRef idx="3">
+            <a:schemeClr val="accent1"/>
+          </a:fillRef>
+          <a:effectRef idx="2">
+            <a:schemeClr val="accent1"/>
+          </a:effectRef>
+          <a:fontRef idx="minor">
+            <a:schemeClr val="lt1"/>
+          </a:fontRef>
+        </p:style>
+      </p:sp>
+      <p:sp>
+        <p:nvSpPr>
+          <p:cNvPr id="3" name="Content Placeholder 2"/>
+          <p:cNvSpPr>
+            <a:spLocks noGrp="1"/>
+          </p:cNvSpPr>
+          <p:nvPr>
+            <p:ph idx="1"/>
+          </p:nvPr>
+        </p:nvSpPr>
+        <p:spPr>
+          <a:xfrm>
+            <a:off x="649225" y="2133600"/>
+            <a:ext cx="5122652" cy="3759253"/>
+          </a:xfrm>
+        </p:spPr>
+        <p:txBody>
+          <a:bodyPr>
+            <a:normAutofit/>
+          </a:bodyPr>
+          <a:lstStyle/>
+          <a:p>
+            <a:r>
+              <a:rPr lang="en-GB" dirty="0"/>
+              <a:t>Example of code stub that was used to fetch data from an API call</a:t>
+            </a:r>
+          </a:p>
+          <a:p>
+            <a:endParaRPr lang="en-GB" dirty="0"/>
+          </a:p>
+          <a:p>
+            <a:endParaRPr lang="en-GB" dirty="0"/>
+          </a:p>
+          <a:p>
+            <a:pPr marL="0" indent="0">
+              <a:buNone/>
+            </a:pPr>
+            <a:endParaRPr lang="en-GB" dirty="0"/>
+          </a:p>
+          <a:p>
+            <a:r>
+              <a:rPr lang="en-IE" dirty="0"/>
+              <a:t>Example of data being fetched from the API call and printed to the terminal</a:t>
+            </a:r>
+          </a:p>
+          <a:p>
+            <a:endParaRPr lang="en-GB" dirty="0"/>
+          </a:p>
+        </p:txBody>
+      </p:sp>
+      <p:pic>
+        <p:nvPicPr>
+          <p:cNvPr id="8" name="Picture 7">
+            <a:extLst>
+              <a:ext uri="{FF2B5EF4-FFF2-40B4-BE49-F238E27FC236}">
+                <a16:creationId xmlns:a16="http://schemas.microsoft.com/office/drawing/2014/main" id="{CA69E38C-1F63-44F7-BABD-4850C87D38F0}"/>
+              </a:ext>
+            </a:extLst>
+          </p:cNvPr>
+          <p:cNvPicPr/>
+          <p:nvPr/>
+        </p:nvPicPr>
+        <p:blipFill>
+          <a:blip r:embed="rId2"/>
+          <a:stretch>
+            <a:fillRect/>
+          </a:stretch>
+        </p:blipFill>
+        <p:spPr>
+          <a:xfrm>
+            <a:off x="6091916" y="672502"/>
+            <a:ext cx="5451627" cy="2644039"/>
+          </a:xfrm>
+          <a:prstGeom prst="rect">
+            <a:avLst/>
+          </a:prstGeom>
+        </p:spPr>
+      </p:pic>
+      <p:pic>
+        <p:nvPicPr>
+          <p:cNvPr id="12" name="Picture 11">
+            <a:extLst>
+              <a:ext uri="{FF2B5EF4-FFF2-40B4-BE49-F238E27FC236}">
+                <a16:creationId xmlns:a16="http://schemas.microsoft.com/office/drawing/2014/main" id="{55EA6955-37EA-4801-8B96-D02C107B9CD2}"/>
+              </a:ext>
+            </a:extLst>
+          </p:cNvPr>
+          <p:cNvPicPr/>
+          <p:nvPr/>
+        </p:nvPicPr>
+        <p:blipFill>
+          <a:blip r:embed="rId3"/>
+          <a:stretch>
+            <a:fillRect/>
+          </a:stretch>
+        </p:blipFill>
+        <p:spPr>
+          <a:xfrm>
+            <a:off x="6086040" y="4039681"/>
+            <a:ext cx="5451627" cy="1322019"/>
+          </a:xfrm>
+          <a:prstGeom prst="rect">
+            <a:avLst/>
+          </a:prstGeom>
+        </p:spPr>
+      </p:pic>
+      <p:sp>
+        <p:nvSpPr>
+          <p:cNvPr id="31" name="Freeform 12">
+            <a:extLst>
+              <a:ext uri="{FF2B5EF4-FFF2-40B4-BE49-F238E27FC236}">
+                <a16:creationId xmlns:a16="http://schemas.microsoft.com/office/drawing/2014/main" id="{55D72A3F-A083-4502-838A-2C32C980026F}"/>
+              </a:ext>
+              <a:ext uri="{C183D7F6-B498-43B3-948B-1728B52AA6E4}">
+                <adec:decorative xmlns:adec="http://schemas.microsoft.com/office/drawing/2017/decorative" val="1"/>
+              </a:ext>
+            </a:extLst>
+          </p:cNvPr>
+          <p:cNvSpPr>
+            <a:spLocks noGrp="1" noRot="1" noChangeAspect="1" noMove="1" noResize="1" noEditPoints="1" noAdjustHandles="1" noChangeArrowheads="1" noChangeShapeType="1" noTextEdit="1"/>
+          </p:cNvSpPr>
+          <p:nvPr>
+            <p:extLst>
+              <p:ext uri="{386F3935-93C4-4BCD-93E2-E3B085C9AB24}">
+                <p16:designElem xmlns:p16="http://schemas.microsoft.com/office/powerpoint/2015/main" val="1"/>
+              </p:ext>
+            </p:extLst>
+          </p:nvPr>
+        </p:nvSpPr>
+        <p:spPr>
+          <a:xfrm>
+            <a:off x="-1" y="6061223"/>
+            <a:ext cx="1038036" cy="506277"/>
+          </a:xfrm>
+          <a:custGeom>
+            <a:avLst/>
+            <a:gdLst>
+              <a:gd name="connsiteX0" fmla="*/ 0 w 1038036"/>
+              <a:gd name="connsiteY0" fmla="*/ 0 h 506277"/>
+              <a:gd name="connsiteX1" fmla="*/ 182880 w 1038036"/>
+              <a:gd name="connsiteY1" fmla="*/ 0 h 506277"/>
+              <a:gd name="connsiteX2" fmla="*/ 291705 w 1038036"/>
+              <a:gd name="connsiteY2" fmla="*/ 0 h 506277"/>
+              <a:gd name="connsiteX3" fmla="*/ 291705 w 1038036"/>
+              <a:gd name="connsiteY3" fmla="*/ 151 h 506277"/>
+              <a:gd name="connsiteX4" fmla="*/ 692049 w 1038036"/>
+              <a:gd name="connsiteY4" fmla="*/ 705 h 506277"/>
+              <a:gd name="connsiteX5" fmla="*/ 782744 w 1038036"/>
+              <a:gd name="connsiteY5" fmla="*/ 705 h 506277"/>
+              <a:gd name="connsiteX6" fmla="*/ 797001 w 1038036"/>
+              <a:gd name="connsiteY6" fmla="*/ 5473 h 506277"/>
+              <a:gd name="connsiteX7" fmla="*/ 801982 w 1038036"/>
+              <a:gd name="connsiteY7" fmla="*/ 10242 h 506277"/>
+              <a:gd name="connsiteX8" fmla="*/ 1030951 w 1038036"/>
+              <a:gd name="connsiteY8" fmla="*/ 239185 h 506277"/>
+              <a:gd name="connsiteX9" fmla="*/ 1030951 w 1038036"/>
+              <a:gd name="connsiteY9" fmla="*/ 267797 h 506277"/>
+              <a:gd name="connsiteX10" fmla="*/ 801982 w 1038036"/>
+              <a:gd name="connsiteY10" fmla="*/ 496740 h 506277"/>
+              <a:gd name="connsiteX11" fmla="*/ 797001 w 1038036"/>
+              <a:gd name="connsiteY11" fmla="*/ 501508 h 506277"/>
+              <a:gd name="connsiteX12" fmla="*/ 782744 w 1038036"/>
+              <a:gd name="connsiteY12" fmla="*/ 506277 h 506277"/>
+              <a:gd name="connsiteX13" fmla="*/ 692049 w 1038036"/>
+              <a:gd name="connsiteY13" fmla="*/ 506277 h 506277"/>
+              <a:gd name="connsiteX14" fmla="*/ 291705 w 1038036"/>
+              <a:gd name="connsiteY14" fmla="*/ 505140 h 506277"/>
+              <a:gd name="connsiteX15" fmla="*/ 291705 w 1038036"/>
+              <a:gd name="connsiteY15" fmla="*/ 506277 h 506277"/>
+              <a:gd name="connsiteX16" fmla="*/ 0 w 1038036"/>
+              <a:gd name="connsiteY16" fmla="*/ 506277 h 506277"/>
+            </a:gdLst>
+            <a:ahLst/>
+            <a:cxnLst>
+              <a:cxn ang="0">
+                <a:pos x="connsiteX0" y="connsiteY0"/>
+              </a:cxn>
+              <a:cxn ang="0">
+                <a:pos x="connsiteX1" y="connsiteY1"/>
+              </a:cxn>
+              <a:cxn ang="0">
+                <a:pos x="connsiteX2" y="connsiteY2"/>
+              </a:cxn>
+              <a:cxn ang="0">
+                <a:pos x="connsiteX3" y="connsiteY3"/>
+              </a:cxn>
+              <a:cxn ang="0">
+                <a:pos x="connsiteX4" y="connsiteY4"/>
+              </a:cxn>
+              <a:cxn ang="0">
+                <a:pos x="connsiteX5" y="connsiteY5"/>
+              </a:cxn>
+              <a:cxn ang="0">
+                <a:pos x="connsiteX6" y="connsiteY6"/>
+              </a:cxn>
+              <a:cxn ang="0">
+                <a:pos x="connsiteX7" y="connsiteY7"/>
+              </a:cxn>
+              <a:cxn ang="0">
+                <a:pos x="connsiteX8" y="connsiteY8"/>
+              </a:cxn>
+              <a:cxn ang="0">
+                <a:pos x="connsiteX9" y="connsiteY9"/>
+              </a:cxn>
+              <a:cxn ang="0">
+                <a:pos x="connsiteX10" y="connsiteY10"/>
+              </a:cxn>
+              <a:cxn ang="0">
+                <a:pos x="connsiteX11" y="connsiteY11"/>
+              </a:cxn>
+              <a:cxn ang="0">
+                <a:pos x="connsiteX12" y="connsiteY12"/>
+              </a:cxn>
+              <a:cxn ang="0">
+                <a:pos x="connsiteX13" y="connsiteY13"/>
+              </a:cxn>
+              <a:cxn ang="0">
+                <a:pos x="connsiteX14" y="connsiteY14"/>
+              </a:cxn>
+              <a:cxn ang="0">
+                <a:pos x="connsiteX15" y="connsiteY15"/>
+              </a:cxn>
+              <a:cxn ang="0">
+                <a:pos x="connsiteX16" y="connsiteY16"/>
+              </a:cxn>
+            </a:cxnLst>
+            <a:rect l="l" t="t" r="r" b="b"/>
+            <a:pathLst>
+              <a:path w="1038036" h="506277">
+                <a:moveTo>
+                  <a:pt x="0" y="0"/>
+                </a:moveTo>
+                <a:lnTo>
+                  <a:pt x="182880" y="0"/>
+                </a:lnTo>
+                <a:lnTo>
+                  <a:pt x="291705" y="0"/>
+                </a:lnTo>
+                <a:lnTo>
+                  <a:pt x="291705" y="151"/>
+                </a:lnTo>
+                <a:lnTo>
+                  <a:pt x="692049" y="705"/>
+                </a:lnTo>
+                <a:lnTo>
+                  <a:pt x="782744" y="705"/>
+                </a:lnTo>
+                <a:cubicBezTo>
+                  <a:pt x="787553" y="705"/>
+                  <a:pt x="792363" y="5473"/>
+                  <a:pt x="797001" y="5473"/>
+                </a:cubicBezTo>
+                <a:cubicBezTo>
+                  <a:pt x="797001" y="10242"/>
+                  <a:pt x="801982" y="10242"/>
+                  <a:pt x="801982" y="10242"/>
+                </a:cubicBezTo>
+                <a:lnTo>
+                  <a:pt x="1030951" y="239185"/>
+                </a:lnTo>
+                <a:cubicBezTo>
+                  <a:pt x="1040398" y="248722"/>
+                  <a:pt x="1040398" y="258259"/>
+                  <a:pt x="1030951" y="267797"/>
+                </a:cubicBezTo>
+                <a:lnTo>
+                  <a:pt x="801982" y="496740"/>
+                </a:lnTo>
+                <a:cubicBezTo>
+                  <a:pt x="800436" y="498363"/>
+                  <a:pt x="798547" y="499885"/>
+                  <a:pt x="797001" y="501508"/>
+                </a:cubicBezTo>
+                <a:cubicBezTo>
+                  <a:pt x="792363" y="506277"/>
+                  <a:pt x="787553" y="506277"/>
+                  <a:pt x="782744" y="506277"/>
+                </a:cubicBezTo>
+                <a:lnTo>
+                  <a:pt x="692049" y="506277"/>
+                </a:lnTo>
+                <a:lnTo>
+                  <a:pt x="291705" y="505140"/>
+                </a:lnTo>
+                <a:lnTo>
+                  <a:pt x="291705" y="506277"/>
+                </a:lnTo>
+                <a:lnTo>
+                  <a:pt x="0" y="506277"/>
+                </a:lnTo>
+                <a:close/>
+              </a:path>
+            </a:pathLst>
+          </a:custGeom>
+          <a:ln>
+            <a:noFill/>
+          </a:ln>
+        </p:spPr>
+        <p:style>
+          <a:lnRef idx="2">
+            <a:schemeClr val="accent1">
+              <a:shade val="50000"/>
+            </a:schemeClr>
+          </a:lnRef>
+          <a:fillRef idx="1">
+            <a:schemeClr val="accent1"/>
+          </a:fillRef>
+          <a:effectRef idx="0">
+            <a:schemeClr val="accent1"/>
+          </a:effectRef>
+          <a:fontRef idx="minor">
+            <a:schemeClr val="lt1"/>
+          </a:fontRef>
+        </p:style>
+        <p:txBody>
+          <a:bodyPr rtlCol="0" anchor="ctr"/>
+          <a:lstStyle/>
+          <a:p>
+            <a:pPr algn="ctr"/>
+            <a:endParaRPr lang="en-US"/>
+          </a:p>
+        </p:txBody>
+      </p:sp>
+    </p:spTree>
+    <p:extLst>
+      <p:ext uri="{BB962C8B-B14F-4D97-AF65-F5344CB8AC3E}">
+        <p14:creationId xmlns:p14="http://schemas.microsoft.com/office/powerpoint/2010/main" val="885375834"/>
+      </p:ext>
+    </p:extLst>
+  </p:cSld>
+  <p:clrMapOvr>
+    <a:masterClrMapping/>
+  </p:clrMapOvr>
+</p:sld>
+</file>
+
+<file path=ppt/slides/slide8.xml><?xml version="1.0" encoding="utf-8"?>
+<p:sld xmlns:a="http://schemas.openxmlformats.org/drawingml/2006/main" xmlns:r="http://schemas.openxmlformats.org/officeDocument/2006/relationships" xmlns:p="http://schemas.openxmlformats.org/presentationml/2006/main">
+  <p:cSld>
+    <p:bg>
+      <p:bgPr>
+        <a:gradFill rotWithShape="1">
+          <a:gsLst>
+            <a:gs pos="0">
+              <a:schemeClr val="bg2">
+                <a:tint val="90000"/>
+                <a:satMod val="92000"/>
+                <a:lumMod val="120000"/>
+              </a:schemeClr>
+            </a:gs>
+            <a:gs pos="100000">
+              <a:schemeClr val="bg2">
+                <a:shade val="98000"/>
+                <a:satMod val="120000"/>
+                <a:lumMod val="98000"/>
+              </a:schemeClr>
+            </a:gs>
+          </a:gsLst>
+          <a:path path="circle">
+            <a:fillToRect l="50000" t="50000" r="100000" b="100000"/>
+          </a:path>
+        </a:gradFill>
+        <a:effectLst/>
+      </p:bgPr>
+    </p:bg>
+    <p:spTree>
+      <p:nvGrpSpPr>
+        <p:cNvPr id="1" name=""/>
+        <p:cNvGrpSpPr/>
+        <p:nvPr/>
+      </p:nvGrpSpPr>
+      <p:grpSpPr>
+        <a:xfrm>
+          <a:off x="0" y="0"/>
+          <a:ext cx="0" cy="0"/>
+          <a:chOff x="0" y="0"/>
+          <a:chExt cx="0" cy="0"/>
+        </a:xfrm>
+      </p:grpSpPr>
+      <p:sp useBgFill="1">
+        <p:nvSpPr>
+          <p:cNvPr id="137" name="Rectangle 136">
+            <a:extLst>
+              <a:ext uri="{FF2B5EF4-FFF2-40B4-BE49-F238E27FC236}">
+                <a16:creationId xmlns:a16="http://schemas.microsoft.com/office/drawing/2014/main" id="{B5898079-081F-4617-AC6B-4290266737B3}"/>
+              </a:ext>
+              <a:ext uri="{C183D7F6-B498-43B3-948B-1728B52AA6E4}">
+                <adec:decorative xmlns:adec="http://schemas.microsoft.com/office/drawing/2017/decorative" val="1"/>
+              </a:ext>
+            </a:extLst>
+          </p:cNvPr>
+          <p:cNvSpPr>
+            <a:spLocks noGrp="1" noRot="1" noChangeAspect="1" noMove="1" noResize="1" noEditPoints="1" noAdjustHandles="1" noChangeArrowheads="1" noChangeShapeType="1" noTextEdit="1"/>
+          </p:cNvSpPr>
+          <p:nvPr>
+            <p:extLst>
+              <p:ext uri="{386F3935-93C4-4BCD-93E2-E3B085C9AB24}">
+                <p16:designElem xmlns:p16="http://schemas.microsoft.com/office/powerpoint/2015/main" val="1"/>
+              </p:ext>
+            </p:extLst>
+          </p:nvPr>
+        </p:nvSpPr>
+        <p:spPr>
+          <a:xfrm>
+            <a:off x="0" y="-786"/>
+            <a:ext cx="12192000" cy="6854038"/>
+          </a:xfrm>
+          <a:prstGeom prst="rect">
+            <a:avLst/>
+          </a:prstGeom>
+          <a:ln>
+            <a:noFill/>
+          </a:ln>
+        </p:spPr>
+        <p:style>
+          <a:lnRef idx="2">
+            <a:schemeClr val="accent1">
+              <a:shade val="50000"/>
+            </a:schemeClr>
+          </a:lnRef>
+          <a:fillRef idx="1">
+            <a:schemeClr val="accent1"/>
+          </a:fillRef>
+          <a:effectRef idx="0">
+            <a:schemeClr val="accent1"/>
+          </a:effectRef>
+          <a:fontRef idx="minor">
+            <a:schemeClr val="lt1"/>
+          </a:fontRef>
+        </p:style>
+        <p:txBody>
+          <a:bodyPr rtlCol="0" anchor="ctr"/>
+          <a:lstStyle/>
+          <a:p>
+            <a:pPr algn="ctr"/>
+            <a:endParaRPr lang="en-US"/>
+          </a:p>
+        </p:txBody>
+      </p:sp>
+      <p:sp>
+        <p:nvSpPr>
+          <p:cNvPr id="2" name="Title 1"/>
+          <p:cNvSpPr>
+            <a:spLocks noGrp="1"/>
+          </p:cNvSpPr>
+          <p:nvPr>
+            <p:ph type="title"/>
+          </p:nvPr>
+        </p:nvSpPr>
+        <p:spPr>
+          <a:xfrm>
+            <a:off x="649224" y="645106"/>
+            <a:ext cx="5122652" cy="1259894"/>
+          </a:xfrm>
+        </p:spPr>
+        <p:txBody>
+          <a:bodyPr>
+            <a:normAutofit/>
+          </a:bodyPr>
+          <a:lstStyle/>
+          <a:p>
+            <a:r>
+              <a:rPr lang="en-GB"/>
+              <a:t>System Evaluation / Testing</a:t>
+            </a:r>
+          </a:p>
+        </p:txBody>
+      </p:sp>
+      <p:sp>
+        <p:nvSpPr>
+          <p:cNvPr id="139" name="Rectangle 138">
+            <a:extLst>
+              <a:ext uri="{FF2B5EF4-FFF2-40B4-BE49-F238E27FC236}">
+                <a16:creationId xmlns:a16="http://schemas.microsoft.com/office/drawing/2014/main" id="{BB829EC8-5B3D-469E-942E-5E6E569E5C9B}"/>
+              </a:ext>
+              <a:ext uri="{C183D7F6-B498-43B3-948B-1728B52AA6E4}">
+                <adec:decorative xmlns:adec="http://schemas.microsoft.com/office/drawing/2017/decorative" val="1"/>
+              </a:ext>
+            </a:extLst>
+          </p:cNvPr>
+          <p:cNvSpPr>
+            <a:spLocks noGrp="1" noRot="1" noChangeAspect="1" noMove="1" noResize="1" noEditPoints="1" noAdjustHandles="1" noChangeArrowheads="1" noChangeShapeType="1" noTextEdit="1"/>
+          </p:cNvSpPr>
+          <p:nvPr>
+            <p:extLst>
+              <p:ext uri="{386F3935-93C4-4BCD-93E2-E3B085C9AB24}">
+                <p16:designElem xmlns:p16="http://schemas.microsoft.com/office/powerpoint/2015/main" val="1"/>
+              </p:ext>
+            </p:extLst>
+          </p:nvPr>
+        </p:nvSpPr>
+        <p:spPr>
+          <a:xfrm>
+            <a:off x="0" y="0"/>
+            <a:ext cx="182880" cy="6858000"/>
+          </a:xfrm>
+          <a:prstGeom prst="rect">
+            <a:avLst/>
+          </a:prstGeom>
+          <a:solidFill>
+            <a:schemeClr val="tx2"/>
+          </a:solidFill>
+          <a:ln>
+            <a:noFill/>
+          </a:ln>
+          <a:effectLst/>
+        </p:spPr>
+        <p:style>
+          <a:lnRef idx="1">
+            <a:schemeClr val="accent1"/>
+          </a:lnRef>
+          <a:fillRef idx="3">
+            <a:schemeClr val="accent1"/>
+          </a:fillRef>
+          <a:effectRef idx="2">
+            <a:schemeClr val="accent1"/>
+          </a:effectRef>
+          <a:fontRef idx="minor">
+            <a:schemeClr val="lt1"/>
+          </a:fontRef>
+        </p:style>
+      </p:sp>
+      <p:sp>
+        <p:nvSpPr>
+          <p:cNvPr id="3" name="Content Placeholder 2"/>
+          <p:cNvSpPr>
+            <a:spLocks noGrp="1"/>
+          </p:cNvSpPr>
+          <p:nvPr>
+            <p:ph idx="1"/>
+          </p:nvPr>
+        </p:nvSpPr>
+        <p:spPr>
+          <a:xfrm>
+            <a:off x="649225" y="2133600"/>
+            <a:ext cx="5122652" cy="3759253"/>
+          </a:xfrm>
+        </p:spPr>
+        <p:txBody>
+          <a:bodyPr>
+            <a:normAutofit/>
+          </a:bodyPr>
+          <a:lstStyle/>
+          <a:p>
+            <a:r>
+              <a:rPr lang="en-GB" dirty="0"/>
+              <a:t>Example of Mongo Cluster data set</a:t>
+            </a:r>
+          </a:p>
+          <a:p>
+            <a:endParaRPr lang="en-GB" dirty="0"/>
+          </a:p>
+          <a:p>
+            <a:pPr marL="0" indent="0">
+              <a:buNone/>
+            </a:pPr>
+            <a:endParaRPr lang="en-GB" dirty="0"/>
+          </a:p>
+          <a:p>
+            <a:endParaRPr lang="en-GB" dirty="0"/>
+          </a:p>
+          <a:p>
+            <a:endParaRPr lang="en-GB" dirty="0"/>
+          </a:p>
+          <a:p>
+            <a:r>
+              <a:rPr lang="en-GB" dirty="0"/>
+              <a:t>Example of Database Integrated into the Application in IntelliJ</a:t>
+            </a:r>
+          </a:p>
+        </p:txBody>
+      </p:sp>
+      <p:pic>
+        <p:nvPicPr>
+          <p:cNvPr id="1026" name="Picture 2">
+            <a:extLst>
+              <a:ext uri="{FF2B5EF4-FFF2-40B4-BE49-F238E27FC236}">
+                <a16:creationId xmlns:a16="http://schemas.microsoft.com/office/drawing/2014/main" id="{D816780A-9DB6-42C1-9E6A-2CD74572E5ED}"/>
+              </a:ext>
+            </a:extLst>
+          </p:cNvPr>
+          <p:cNvPicPr>
+            <a:picLocks noChangeAspect="1" noChangeArrowheads="1"/>
+          </p:cNvPicPr>
+          <p:nvPr/>
+        </p:nvPicPr>
+        <p:blipFill>
+          <a:blip r:embed="rId2">
+            <a:extLst>
+              <a:ext uri="{28A0092B-C50C-407E-A947-70E740481C1C}">
+                <a14:useLocalDpi xmlns:a14="http://schemas.microsoft.com/office/drawing/2010/main" val="0"/>
+              </a:ext>
+            </a:extLst>
+          </a:blip>
+          <a:stretch>
+            <a:fillRect/>
+          </a:stretch>
+        </p:blipFill>
+        <p:spPr bwMode="auto">
+          <a:xfrm>
+            <a:off x="6833295" y="645106"/>
+            <a:ext cx="3968868" cy="2698831"/>
+          </a:xfrm>
+          <a:prstGeom prst="rect">
+            <a:avLst/>
+          </a:prstGeom>
+          <a:noFill/>
+          <a:extLst>
+            <a:ext uri="{909E8E84-426E-40DD-AFC4-6F175D3DCCD1}">
+              <a14:hiddenFill xmlns:a14="http://schemas.microsoft.com/office/drawing/2010/main">
+                <a:solidFill>
+                  <a:srgbClr val="FFFFFF"/>
+                </a:solidFill>
+              </a14:hiddenFill>
+            </a:ext>
+          </a:extLst>
+        </p:spPr>
+      </p:pic>
+      <p:pic>
+        <p:nvPicPr>
+          <p:cNvPr id="1028" name="Picture 4">
+            <a:extLst>
+              <a:ext uri="{FF2B5EF4-FFF2-40B4-BE49-F238E27FC236}">
+                <a16:creationId xmlns:a16="http://schemas.microsoft.com/office/drawing/2014/main" id="{54C73DA4-B93E-4B65-BCD8-5A925CE4EE0C}"/>
+              </a:ext>
+            </a:extLst>
+          </p:cNvPr>
+          <p:cNvPicPr>
+            <a:picLocks noChangeAspect="1" noChangeArrowheads="1"/>
+          </p:cNvPicPr>
+          <p:nvPr/>
+        </p:nvPicPr>
+        <p:blipFill>
+          <a:blip r:embed="rId3">
+            <a:extLst>
+              <a:ext uri="{28A0092B-C50C-407E-A947-70E740481C1C}">
+                <a14:useLocalDpi xmlns:a14="http://schemas.microsoft.com/office/drawing/2010/main" val="0"/>
+              </a:ext>
+            </a:extLst>
+          </a:blip>
+          <a:stretch>
+            <a:fillRect/>
+          </a:stretch>
+        </p:blipFill>
+        <p:spPr bwMode="auto">
+          <a:xfrm>
+            <a:off x="6086040" y="3910205"/>
+            <a:ext cx="5451627" cy="1580972"/>
+          </a:xfrm>
+          <a:prstGeom prst="rect">
+            <a:avLst/>
+          </a:prstGeom>
+          <a:noFill/>
+          <a:extLst>
+            <a:ext uri="{909E8E84-426E-40DD-AFC4-6F175D3DCCD1}">
+              <a14:hiddenFill xmlns:a14="http://schemas.microsoft.com/office/drawing/2010/main">
+                <a:solidFill>
+                  <a:srgbClr val="FFFFFF"/>
+                </a:solidFill>
+              </a14:hiddenFill>
+            </a:ext>
+          </a:extLst>
+        </p:spPr>
+      </p:pic>
+      <p:sp>
+        <p:nvSpPr>
+          <p:cNvPr id="141" name="Freeform 12">
+            <a:extLst>
+              <a:ext uri="{FF2B5EF4-FFF2-40B4-BE49-F238E27FC236}">
+                <a16:creationId xmlns:a16="http://schemas.microsoft.com/office/drawing/2014/main" id="{55D72A3F-A083-4502-838A-2C32C980026F}"/>
+              </a:ext>
+              <a:ext uri="{C183D7F6-B498-43B3-948B-1728B52AA6E4}">
+                <adec:decorative xmlns:adec="http://schemas.microsoft.com/office/drawing/2017/decorative" val="1"/>
+              </a:ext>
+            </a:extLst>
+          </p:cNvPr>
+          <p:cNvSpPr>
+            <a:spLocks noGrp="1" noRot="1" noChangeAspect="1" noMove="1" noResize="1" noEditPoints="1" noAdjustHandles="1" noChangeArrowheads="1" noChangeShapeType="1" noTextEdit="1"/>
+          </p:cNvSpPr>
+          <p:nvPr>
+            <p:extLst>
+              <p:ext uri="{386F3935-93C4-4BCD-93E2-E3B085C9AB24}">
+                <p16:designElem xmlns:p16="http://schemas.microsoft.com/office/powerpoint/2015/main" val="1"/>
+              </p:ext>
+            </p:extLst>
+          </p:nvPr>
+        </p:nvSpPr>
+        <p:spPr>
+          <a:xfrm>
+            <a:off x="-1" y="6061223"/>
+            <a:ext cx="1038036" cy="506277"/>
+          </a:xfrm>
+          <a:custGeom>
+            <a:avLst/>
+            <a:gdLst>
+              <a:gd name="connsiteX0" fmla="*/ 0 w 1038036"/>
+              <a:gd name="connsiteY0" fmla="*/ 0 h 506277"/>
+              <a:gd name="connsiteX1" fmla="*/ 182880 w 1038036"/>
+              <a:gd name="connsiteY1" fmla="*/ 0 h 506277"/>
+              <a:gd name="connsiteX2" fmla="*/ 291705 w 1038036"/>
+              <a:gd name="connsiteY2" fmla="*/ 0 h 506277"/>
+              <a:gd name="connsiteX3" fmla="*/ 291705 w 1038036"/>
+              <a:gd name="connsiteY3" fmla="*/ 151 h 506277"/>
+              <a:gd name="connsiteX4" fmla="*/ 692049 w 1038036"/>
+              <a:gd name="connsiteY4" fmla="*/ 705 h 506277"/>
+              <a:gd name="connsiteX5" fmla="*/ 782744 w 1038036"/>
+              <a:gd name="connsiteY5" fmla="*/ 705 h 506277"/>
+              <a:gd name="connsiteX6" fmla="*/ 797001 w 1038036"/>
+              <a:gd name="connsiteY6" fmla="*/ 5473 h 506277"/>
+              <a:gd name="connsiteX7" fmla="*/ 801982 w 1038036"/>
+              <a:gd name="connsiteY7" fmla="*/ 10242 h 506277"/>
+              <a:gd name="connsiteX8" fmla="*/ 1030951 w 1038036"/>
+              <a:gd name="connsiteY8" fmla="*/ 239185 h 506277"/>
+              <a:gd name="connsiteX9" fmla="*/ 1030951 w 1038036"/>
+              <a:gd name="connsiteY9" fmla="*/ 267797 h 506277"/>
+              <a:gd name="connsiteX10" fmla="*/ 801982 w 1038036"/>
+              <a:gd name="connsiteY10" fmla="*/ 496740 h 506277"/>
+              <a:gd name="connsiteX11" fmla="*/ 797001 w 1038036"/>
+              <a:gd name="connsiteY11" fmla="*/ 501508 h 506277"/>
+              <a:gd name="connsiteX12" fmla="*/ 782744 w 1038036"/>
+              <a:gd name="connsiteY12" fmla="*/ 506277 h 506277"/>
+              <a:gd name="connsiteX13" fmla="*/ 692049 w 1038036"/>
+              <a:gd name="connsiteY13" fmla="*/ 506277 h 506277"/>
+              <a:gd name="connsiteX14" fmla="*/ 291705 w 1038036"/>
+              <a:gd name="connsiteY14" fmla="*/ 505140 h 506277"/>
+              <a:gd name="connsiteX15" fmla="*/ 291705 w 1038036"/>
+              <a:gd name="connsiteY15" fmla="*/ 506277 h 506277"/>
+              <a:gd name="connsiteX16" fmla="*/ 0 w 1038036"/>
+              <a:gd name="connsiteY16" fmla="*/ 506277 h 506277"/>
+            </a:gdLst>
+            <a:ahLst/>
+            <a:cxnLst>
+              <a:cxn ang="0">
+                <a:pos x="connsiteX0" y="connsiteY0"/>
+              </a:cxn>
+              <a:cxn ang="0">
+                <a:pos x="connsiteX1" y="connsiteY1"/>
+              </a:cxn>
+              <a:cxn ang="0">
+                <a:pos x="connsiteX2" y="connsiteY2"/>
+              </a:cxn>
+              <a:cxn ang="0">
+                <a:pos x="connsiteX3" y="connsiteY3"/>
+              </a:cxn>
+              <a:cxn ang="0">
+                <a:pos x="connsiteX4" y="connsiteY4"/>
+              </a:cxn>
+              <a:cxn ang="0">
+                <a:pos x="connsiteX5" y="connsiteY5"/>
+              </a:cxn>
+              <a:cxn ang="0">
+                <a:pos x="connsiteX6" y="connsiteY6"/>
+              </a:cxn>
+              <a:cxn ang="0">
+                <a:pos x="connsiteX7" y="connsiteY7"/>
+              </a:cxn>
+              <a:cxn ang="0">
+                <a:pos x="connsiteX8" y="connsiteY8"/>
+              </a:cxn>
+              <a:cxn ang="0">
+                <a:pos x="connsiteX9" y="connsiteY9"/>
+              </a:cxn>
+              <a:cxn ang="0">
+                <a:pos x="connsiteX10" y="connsiteY10"/>
+              </a:cxn>
+              <a:cxn ang="0">
+                <a:pos x="connsiteX11" y="connsiteY11"/>
+              </a:cxn>
+              <a:cxn ang="0">
+                <a:pos x="connsiteX12" y="connsiteY12"/>
+              </a:cxn>
+              <a:cxn ang="0">
+                <a:pos x="connsiteX13" y="connsiteY13"/>
+              </a:cxn>
+              <a:cxn ang="0">
+                <a:pos x="connsiteX14" y="connsiteY14"/>
+              </a:cxn>
+              <a:cxn ang="0">
+                <a:pos x="connsiteX15" y="connsiteY15"/>
+              </a:cxn>
+              <a:cxn ang="0">
+                <a:pos x="connsiteX16" y="connsiteY16"/>
+              </a:cxn>
+            </a:cxnLst>
+            <a:rect l="l" t="t" r="r" b="b"/>
+            <a:pathLst>
+              <a:path w="1038036" h="506277">
+                <a:moveTo>
+                  <a:pt x="0" y="0"/>
+                </a:moveTo>
+                <a:lnTo>
+                  <a:pt x="182880" y="0"/>
+                </a:lnTo>
+                <a:lnTo>
+                  <a:pt x="291705" y="0"/>
+                </a:lnTo>
+                <a:lnTo>
+                  <a:pt x="291705" y="151"/>
+                </a:lnTo>
+                <a:lnTo>
+                  <a:pt x="692049" y="705"/>
+                </a:lnTo>
+                <a:lnTo>
+                  <a:pt x="782744" y="705"/>
+                </a:lnTo>
+                <a:cubicBezTo>
+                  <a:pt x="787553" y="705"/>
+                  <a:pt x="792363" y="5473"/>
+                  <a:pt x="797001" y="5473"/>
+                </a:cubicBezTo>
+                <a:cubicBezTo>
+                  <a:pt x="797001" y="10242"/>
+                  <a:pt x="801982" y="10242"/>
+                  <a:pt x="801982" y="10242"/>
+                </a:cubicBezTo>
+                <a:lnTo>
+                  <a:pt x="1030951" y="239185"/>
+                </a:lnTo>
+                <a:cubicBezTo>
+                  <a:pt x="1040398" y="248722"/>
+                  <a:pt x="1040398" y="258259"/>
+                  <a:pt x="1030951" y="267797"/>
+                </a:cubicBezTo>
+                <a:lnTo>
+                  <a:pt x="801982" y="496740"/>
+                </a:lnTo>
+                <a:cubicBezTo>
+                  <a:pt x="800436" y="498363"/>
+                  <a:pt x="798547" y="499885"/>
+                  <a:pt x="797001" y="501508"/>
+                </a:cubicBezTo>
+                <a:cubicBezTo>
+                  <a:pt x="792363" y="506277"/>
+                  <a:pt x="787553" y="506277"/>
+                  <a:pt x="782744" y="506277"/>
+                </a:cubicBezTo>
+                <a:lnTo>
+                  <a:pt x="692049" y="506277"/>
+                </a:lnTo>
+                <a:lnTo>
+                  <a:pt x="291705" y="505140"/>
+                </a:lnTo>
+                <a:lnTo>
+                  <a:pt x="291705" y="506277"/>
+                </a:lnTo>
+                <a:lnTo>
+                  <a:pt x="0" y="506277"/>
+                </a:lnTo>
+                <a:close/>
+              </a:path>
+            </a:pathLst>
+          </a:custGeom>
+          <a:ln>
+            <a:noFill/>
+          </a:ln>
+        </p:spPr>
+        <p:style>
+          <a:lnRef idx="2">
+            <a:schemeClr val="accent1">
+              <a:shade val="50000"/>
+            </a:schemeClr>
+          </a:lnRef>
+          <a:fillRef idx="1">
+            <a:schemeClr val="accent1"/>
+          </a:fillRef>
+          <a:effectRef idx="0">
+            <a:schemeClr val="accent1"/>
+          </a:effectRef>
+          <a:fontRef idx="minor">
+            <a:schemeClr val="lt1"/>
+          </a:fontRef>
+        </p:style>
+        <p:txBody>
+          <a:bodyPr rtlCol="0" anchor="ctr"/>
+          <a:lstStyle/>
+          <a:p>
+            <a:pPr algn="ctr"/>
+            <a:endParaRPr lang="en-US"/>
+          </a:p>
+        </p:txBody>
+      </p:sp>
+    </p:spTree>
+    <p:extLst>
+      <p:ext uri="{BB962C8B-B14F-4D97-AF65-F5344CB8AC3E}">
+        <p14:creationId xmlns:p14="http://schemas.microsoft.com/office/powerpoint/2010/main" val="843142087"/>
+      </p:ext>
+    </p:extLst>
+  </p:cSld>
+  <p:clrMapOvr>
+    <a:masterClrMapping/>
+  </p:clrMapOvr>
+</p:sld>
+</file>
+
+<file path=ppt/slides/slide9.xml><?xml version="1.0" encoding="utf-8"?>
 <p:sld xmlns:a="http://schemas.openxmlformats.org/drawingml/2006/main" xmlns:r="http://schemas.openxmlformats.org/officeDocument/2006/relationships" xmlns:p="http://schemas.openxmlformats.org/presentationml/2006/main">
   <p:cSld>
     <p:spTree>
